--- a/Proiect final.pptx
+++ b/Proiect final.pptx
@@ -428,7 +428,7 @@
           <a:p>
             <a:fld id="{78ABE3C1-DBE1-495D-B57B-2849774B866A}" type="datetimeFigureOut">
               <a:rPr lang="en-US" dirty="0"/>
-              <a:t>8/2/2024</a:t>
+              <a:t>8/3/2024</a:t>
             </a:fld>
             <a:endParaRPr lang="en-US" dirty="0"/>
           </a:p>
@@ -837,7 +837,7 @@
           <a:p>
             <a:fld id="{446C117F-5CCF-4837-BE5F-2B92066CAFAF}" type="datetimeFigureOut">
               <a:rPr lang="en-US" dirty="0"/>
-              <a:t>8/2/2024</a:t>
+              <a:t>8/3/2024</a:t>
             </a:fld>
             <a:endParaRPr lang="en-US" dirty="0"/>
           </a:p>
@@ -1168,7 +1168,7 @@
           <a:p>
             <a:fld id="{84EB90BD-B6CE-46B7-997F-7313B992CCDC}" type="datetimeFigureOut">
               <a:rPr lang="en-US" dirty="0"/>
-              <a:t>8/2/2024</a:t>
+              <a:t>8/3/2024</a:t>
             </a:fld>
             <a:endParaRPr lang="en-US" dirty="0"/>
           </a:p>
@@ -1568,7 +1568,7 @@
           <a:p>
             <a:fld id="{CDB9D11F-B188-461D-B23F-39381795C052}" type="datetimeFigureOut">
               <a:rPr lang="en-US" dirty="0"/>
-              <a:t>8/2/2024</a:t>
+              <a:t>8/3/2024</a:t>
             </a:fld>
             <a:endParaRPr lang="en-US" dirty="0"/>
           </a:p>
@@ -2131,7 +2131,7 @@
           <a:p>
             <a:fld id="{52E6D8D9-55A2-4063-B0F3-121F44549695}" type="datetimeFigureOut">
               <a:rPr lang="en-US" dirty="0"/>
-              <a:t>8/2/2024</a:t>
+              <a:t>8/3/2024</a:t>
             </a:fld>
             <a:endParaRPr lang="en-US" dirty="0"/>
           </a:p>
@@ -2807,7 +2807,7 @@
           <a:p>
             <a:fld id="{D4B24536-994D-4021-A283-9F449C0DB509}" type="datetimeFigureOut">
               <a:rPr lang="en-US" dirty="0"/>
-              <a:t>8/2/2024</a:t>
+              <a:t>8/3/2024</a:t>
             </a:fld>
             <a:endParaRPr lang="en-US" dirty="0"/>
           </a:p>
@@ -3715,7 +3715,7 @@
           <a:p>
             <a:fld id="{3CBBBB78-C96F-47B7-AB17-D852CA960AC9}" type="datetimeFigureOut">
               <a:rPr lang="en-US" dirty="0"/>
-              <a:t>8/2/2024</a:t>
+              <a:t>8/3/2024</a:t>
             </a:fld>
             <a:endParaRPr lang="en-US" dirty="0"/>
           </a:p>
@@ -4023,7 +4023,7 @@
           <a:p>
             <a:fld id="{1FA3F48C-C7C6-4055-9F49-3777875E72AE}" type="datetimeFigureOut">
               <a:rPr lang="en-US" dirty="0"/>
-              <a:t>8/2/2024</a:t>
+              <a:t>8/3/2024</a:t>
             </a:fld>
             <a:endParaRPr lang="en-US" dirty="0"/>
           </a:p>
@@ -4282,7 +4282,7 @@
           <a:p>
             <a:fld id="{6178E61D-D431-422C-9764-11DAFE33AB63}" type="datetimeFigureOut">
               <a:rPr lang="en-US" dirty="0"/>
-              <a:t>8/2/2024</a:t>
+              <a:t>8/3/2024</a:t>
             </a:fld>
             <a:endParaRPr lang="en-US" dirty="0"/>
           </a:p>
@@ -4601,7 +4601,7 @@
           <a:p>
             <a:fld id="{12DE42F4-6EEF-4EF7-8ED4-2208F0F89A08}" type="datetimeFigureOut">
               <a:rPr lang="en-US" dirty="0"/>
-              <a:t>8/2/2024</a:t>
+              <a:t>8/3/2024</a:t>
             </a:fld>
             <a:endParaRPr lang="en-US" dirty="0"/>
           </a:p>
@@ -4985,7 +4985,7 @@
           <a:p>
             <a:fld id="{30578ACC-22D6-47C1-A373-4FD133E34F3C}" type="datetimeFigureOut">
               <a:rPr lang="en-US" dirty="0"/>
-              <a:t>8/2/2024</a:t>
+              <a:t>8/3/2024</a:t>
             </a:fld>
             <a:endParaRPr lang="en-US" dirty="0"/>
           </a:p>
@@ -5356,7 +5356,7 @@
           <a:p>
             <a:fld id="{4E5A6C69-6797-4E8A-BF37-F2C3751466E9}" type="datetimeFigureOut">
               <a:rPr lang="en-US" dirty="0"/>
-              <a:t>8/2/2024</a:t>
+              <a:t>8/3/2024</a:t>
             </a:fld>
             <a:endParaRPr lang="en-US" dirty="0"/>
           </a:p>
@@ -5857,7 +5857,7 @@
           <a:p>
             <a:fld id="{D82014A1-A632-4878-A0D3-F52BA7563730}" type="datetimeFigureOut">
               <a:rPr lang="en-US" dirty="0"/>
-              <a:t>8/2/2024</a:t>
+              <a:t>8/3/2024</a:t>
             </a:fld>
             <a:endParaRPr lang="en-US" dirty="0"/>
           </a:p>
@@ -6109,7 +6109,7 @@
           <a:p>
             <a:fld id="{CE99F462-093F-4566-844B-4C71F2739DA5}" type="datetimeFigureOut">
               <a:rPr lang="en-US" dirty="0"/>
-              <a:t>8/2/2024</a:t>
+              <a:t>8/3/2024</a:t>
             </a:fld>
             <a:endParaRPr lang="en-US" dirty="0"/>
           </a:p>
@@ -6267,7 +6267,7 @@
           <a:p>
             <a:fld id="{3D24A7AC-904D-4781-85BA-7D10C17ED021}" type="datetimeFigureOut">
               <a:rPr lang="en-US" dirty="0"/>
-              <a:t>8/2/2024</a:t>
+              <a:t>8/3/2024</a:t>
             </a:fld>
             <a:endParaRPr lang="en-US" dirty="0"/>
           </a:p>
@@ -6652,7 +6652,7 @@
           <a:p>
             <a:fld id="{E331444B-B92B-4E27-8C94-BB93EAF5CB18}" type="datetimeFigureOut">
               <a:rPr lang="en-US" dirty="0"/>
-              <a:t>8/2/2024</a:t>
+              <a:t>8/3/2024</a:t>
             </a:fld>
             <a:endParaRPr lang="en-US" dirty="0"/>
           </a:p>
@@ -7056,7 +7056,7 @@
           <a:p>
             <a:fld id="{363EFA5E-FA76-400D-B3DC-F0BA90E6D107}" type="datetimeFigureOut">
               <a:rPr lang="en-US" dirty="0"/>
-              <a:t>8/2/2024</a:t>
+              <a:t>8/3/2024</a:t>
             </a:fld>
             <a:endParaRPr lang="en-US" dirty="0"/>
           </a:p>
@@ -7295,7 +7295,7 @@
           <a:p>
             <a:fld id="{9D6E9DEC-419B-4CC5-A080-3B06BD5A8291}" type="datetimeFigureOut">
               <a:rPr lang="en-US" dirty="0"/>
-              <a:t>8/2/2024</a:t>
+              <a:t>8/3/2024</a:t>
             </a:fld>
             <a:endParaRPr lang="en-US" dirty="0"/>
           </a:p>
@@ -7817,8 +7817,8 @@
         </p:nvSpPr>
         <p:spPr>
           <a:xfrm>
-            <a:off x="846090" y="1167618"/>
-            <a:ext cx="5249910" cy="584775"/>
+            <a:off x="1054320" y="1630564"/>
+            <a:ext cx="4274892" cy="523220"/>
           </a:xfrm>
           <a:prstGeom prst="rect">
             <a:avLst/>
@@ -7832,47 +7832,47 @@
           <a:lstStyle/>
           <a:p>
             <a:r>
-              <a:rPr lang="en-US" sz="1600" dirty="0"/>
+              <a:rPr lang="en-US" sz="1400" dirty="0"/>
               <a:t>Am </a:t>
             </a:r>
             <a:r>
-              <a:rPr lang="en-US" sz="1600" dirty="0" err="1"/>
+              <a:rPr lang="en-US" sz="1400" dirty="0" err="1"/>
               <a:t>folosit</a:t>
             </a:r>
             <a:r>
-              <a:rPr lang="en-US" sz="1600" dirty="0"/>
-              <a:t> </a:t>
-            </a:r>
-            <a:r>
-              <a:rPr lang="en-US" sz="1600" dirty="0" err="1"/>
+              <a:rPr lang="en-US" sz="1400" dirty="0"/>
+              <a:t> </a:t>
+            </a:r>
+            <a:r>
+              <a:rPr lang="en-US" sz="1400" dirty="0" err="1"/>
               <a:t>instructiunea</a:t>
             </a:r>
             <a:r>
-              <a:rPr lang="en-US" sz="1600" dirty="0"/>
+              <a:rPr lang="en-US" sz="1400" dirty="0"/>
               <a:t> “select” </a:t>
             </a:r>
             <a:r>
-              <a:rPr lang="en-US" sz="1600" dirty="0" err="1"/>
+              <a:rPr lang="en-US" sz="1400" dirty="0" err="1"/>
               <a:t>pentru</a:t>
             </a:r>
             <a:r>
-              <a:rPr lang="en-US" sz="1600" dirty="0"/>
-              <a:t> </a:t>
-            </a:r>
-            <a:r>
-              <a:rPr lang="en-US" sz="1600" dirty="0" err="1"/>
+              <a:rPr lang="en-US" sz="1400" dirty="0"/>
+              <a:t> </a:t>
+            </a:r>
+            <a:r>
+              <a:rPr lang="en-US" sz="1400" dirty="0" err="1"/>
               <a:t>afisarea</a:t>
             </a:r>
             <a:r>
-              <a:rPr lang="en-US" sz="1600" dirty="0"/>
+              <a:rPr lang="en-US" sz="1400" dirty="0"/>
               <a:t>  </a:t>
             </a:r>
             <a:r>
-              <a:rPr lang="en-US" sz="1600" dirty="0" err="1"/>
+              <a:rPr lang="en-US" sz="1400" dirty="0" err="1"/>
               <a:t>tabelelor</a:t>
             </a:r>
             <a:r>
-              <a:rPr lang="en-US" sz="1600" dirty="0"/>
+              <a:rPr lang="en-US" sz="1400" dirty="0"/>
               <a:t> create.</a:t>
             </a:r>
           </a:p>
@@ -7900,8 +7900,8 @@
         </p:blipFill>
         <p:spPr>
           <a:xfrm>
-            <a:off x="5756347" y="591479"/>
-            <a:ext cx="4484933" cy="2686293"/>
+            <a:off x="5756348" y="896293"/>
+            <a:ext cx="3460080" cy="2227152"/>
           </a:xfrm>
           <a:prstGeom prst="rect">
             <a:avLst/>
@@ -7922,8 +7922,8 @@
         </p:nvSpPr>
         <p:spPr>
           <a:xfrm>
-            <a:off x="846090" y="3429000"/>
-            <a:ext cx="4065563" cy="923330"/>
+            <a:off x="1054320" y="4259351"/>
+            <a:ext cx="4065563" cy="861774"/>
           </a:xfrm>
           <a:prstGeom prst="rect">
             <a:avLst/>
@@ -7937,52 +7937,44 @@
           <a:lstStyle/>
           <a:p>
             <a:r>
-              <a:rPr lang="en-US" dirty="0"/>
+              <a:rPr lang="en-US" sz="1400" dirty="0"/>
               <a:t>Am </a:t>
             </a:r>
             <a:r>
-              <a:rPr lang="en-US" dirty="0" err="1"/>
+              <a:rPr lang="en-US" sz="1400" dirty="0" err="1"/>
               <a:t>afisat</a:t>
             </a:r>
             <a:r>
-              <a:rPr lang="en-US" dirty="0"/>
-              <a:t> </a:t>
-            </a:r>
-            <a:r>
-              <a:rPr lang="en-US" dirty="0" err="1"/>
+              <a:rPr lang="en-US" sz="1400" dirty="0"/>
+              <a:t> </a:t>
+            </a:r>
+            <a:r>
+              <a:rPr lang="en-US" sz="1400" dirty="0" err="1"/>
               <a:t>numarul</a:t>
             </a:r>
             <a:r>
-              <a:rPr lang="en-US" dirty="0"/>
+              <a:rPr lang="en-US" sz="1400" dirty="0"/>
               <a:t> total de </a:t>
             </a:r>
             <a:r>
-              <a:rPr lang="en-US" dirty="0" err="1"/>
+              <a:rPr lang="en-US" sz="1400" dirty="0" err="1"/>
               <a:t>carti</a:t>
             </a:r>
             <a:r>
-              <a:rPr lang="en-US" dirty="0"/>
-              <a:t> </a:t>
-            </a:r>
-            <a:r>
-              <a:rPr lang="en-US" dirty="0" err="1"/>
-              <a:t>dupa</a:t>
-            </a:r>
-            <a:r>
-              <a:rPr lang="en-US" dirty="0"/>
-              <a:t> </a:t>
-            </a:r>
-            <a:r>
-              <a:rPr lang="en-US" dirty="0" err="1"/>
-              <a:t>autorul</a:t>
-            </a:r>
-            <a:r>
-              <a:rPr lang="en-US" dirty="0"/>
-              <a:t> </a:t>
-            </a:r>
-            <a:r>
-              <a:rPr lang="en-US" dirty="0" err="1"/>
-              <a:t>Eminescu</a:t>
+              <a:rPr lang="en-US" sz="1400" dirty="0"/>
+              <a:t> al </a:t>
+            </a:r>
+            <a:r>
+              <a:rPr lang="en-US" sz="1400" dirty="0" err="1"/>
+              <a:t>autorului</a:t>
+            </a:r>
+            <a:r>
+              <a:rPr lang="en-US" sz="1400" dirty="0"/>
+              <a:t> Eminescu, din </a:t>
+            </a:r>
+            <a:r>
+              <a:rPr lang="en-US" sz="1400" dirty="0" err="1"/>
+              <a:t>biblioteca</a:t>
             </a:r>
             <a:r>
               <a:rPr lang="en-US" dirty="0"/>
@@ -8016,8 +8008,8 @@
         </p:blipFill>
         <p:spPr>
           <a:xfrm>
-            <a:off x="2746702" y="4529923"/>
-            <a:ext cx="9042024" cy="2090822"/>
+            <a:off x="5620546" y="3734555"/>
+            <a:ext cx="4193410" cy="2227151"/>
           </a:xfrm>
           <a:prstGeom prst="rect">
             <a:avLst/>
@@ -8076,8 +8068,8 @@
         </p:blipFill>
         <p:spPr>
           <a:xfrm>
-            <a:off x="5935349" y="3635451"/>
-            <a:ext cx="4221525" cy="3018567"/>
+            <a:off x="5926297" y="3916109"/>
+            <a:ext cx="3751858" cy="2104446"/>
           </a:xfrm>
           <a:prstGeom prst="rect">
             <a:avLst/>
@@ -8099,7 +8091,7 @@
         <p:spPr>
           <a:xfrm>
             <a:off x="1195754" y="4178105"/>
-            <a:ext cx="4093698" cy="923330"/>
+            <a:ext cx="4093698" cy="1015663"/>
           </a:xfrm>
           <a:prstGeom prst="rect">
             <a:avLst/>
@@ -8113,65 +8105,86 @@
           <a:lstStyle/>
           <a:p>
             <a:r>
-              <a:rPr lang="en-US" dirty="0"/>
-              <a:t>In </a:t>
-            </a:r>
-            <a:r>
-              <a:rPr lang="en-US" dirty="0" err="1"/>
+              <a:rPr lang="en-US" sz="1400" dirty="0" err="1"/>
+              <a:t>Pentru</a:t>
+            </a:r>
+            <a:r>
+              <a:rPr lang="en-US" sz="1400" dirty="0"/>
+              <a:t> </a:t>
+            </a:r>
+            <a:r>
+              <a:rPr lang="en-US" sz="1400" dirty="0" err="1"/>
               <a:t>tabela</a:t>
             </a:r>
             <a:r>
-              <a:rPr lang="en-US" dirty="0"/>
+              <a:rPr lang="en-US" sz="1400" dirty="0"/>
               <a:t> “</a:t>
             </a:r>
             <a:r>
-              <a:rPr lang="en-US" dirty="0" err="1"/>
+              <a:rPr lang="en-US" sz="1400" dirty="0" err="1"/>
               <a:t>autor</a:t>
             </a:r>
             <a:r>
-              <a:rPr lang="en-US" dirty="0"/>
+              <a:rPr lang="en-US" sz="1400" dirty="0"/>
               <a:t>” am </a:t>
             </a:r>
             <a:r>
-              <a:rPr lang="en-US" dirty="0" err="1"/>
+              <a:rPr lang="en-US" sz="1400" dirty="0" err="1"/>
               <a:t>afisat</a:t>
             </a:r>
             <a:r>
-              <a:rPr lang="en-US" dirty="0"/>
+              <a:rPr lang="en-US" sz="1400" dirty="0"/>
               <a:t> in </a:t>
             </a:r>
             <a:r>
-              <a:rPr lang="en-US" dirty="0" err="1"/>
+              <a:rPr lang="en-US" sz="1400" dirty="0" err="1"/>
               <a:t>ordine</a:t>
             </a:r>
             <a:r>
-              <a:rPr lang="en-US" dirty="0"/>
-              <a:t> </a:t>
-            </a:r>
-            <a:r>
-              <a:rPr lang="en-US" dirty="0" err="1"/>
+              <a:rPr lang="en-US" sz="1400" dirty="0"/>
+              <a:t> </a:t>
+            </a:r>
+            <a:r>
+              <a:rPr lang="en-US" sz="1400" dirty="0" err="1"/>
               <a:t>descrescatoare</a:t>
             </a:r>
             <a:r>
-              <a:rPr lang="en-US" dirty="0"/>
-              <a:t> </a:t>
-            </a:r>
-            <a:r>
-              <a:rPr lang="en-US" dirty="0" err="1"/>
+              <a:rPr lang="en-US" sz="1400" dirty="0"/>
+              <a:t> </a:t>
+            </a:r>
+            <a:r>
+              <a:rPr lang="en-US" sz="1400" dirty="0" err="1"/>
               <a:t>autorii</a:t>
             </a:r>
             <a:r>
-              <a:rPr lang="en-US" dirty="0"/>
+              <a:rPr lang="en-US" sz="1400" dirty="0"/>
               <a:t>, </a:t>
             </a:r>
             <a:r>
-              <a:rPr lang="en-US" dirty="0" err="1"/>
+              <a:rPr lang="en-US" sz="1400" dirty="0" err="1"/>
               <a:t>dupa</a:t>
             </a:r>
             <a:r>
-              <a:rPr lang="en-US" dirty="0"/>
-              <a:t> id.</a:t>
-            </a:r>
+              <a:rPr lang="en-US" sz="1400" dirty="0"/>
+              <a:t> id, </a:t>
+            </a:r>
+            <a:r>
+              <a:rPr lang="en-US" sz="1400" dirty="0" err="1"/>
+              <a:t>eliminand</a:t>
+            </a:r>
+            <a:r>
+              <a:rPr lang="en-US" sz="1400" dirty="0"/>
+              <a:t> </a:t>
+            </a:r>
+            <a:r>
+              <a:rPr lang="en-US" sz="1400" dirty="0" err="1"/>
+              <a:t>primul</a:t>
+            </a:r>
+            <a:r>
+              <a:rPr lang="en-US" sz="1400" dirty="0"/>
+              <a:t> rand.</a:t>
+            </a:r>
+            <a:endParaRPr lang="en-US" dirty="0"/>
           </a:p>
           <a:p>
             <a:endParaRPr lang="en-US" dirty="0"/>
@@ -8200,8 +8213,8 @@
         </p:blipFill>
         <p:spPr>
           <a:xfrm>
-            <a:off x="4642338" y="339991"/>
-            <a:ext cx="5744692" cy="3000794"/>
+            <a:off x="5520753" y="959667"/>
+            <a:ext cx="4562946" cy="2544024"/>
           </a:xfrm>
           <a:prstGeom prst="rect">
             <a:avLst/>
@@ -8222,8 +8235,8 @@
         </p:nvSpPr>
         <p:spPr>
           <a:xfrm>
-            <a:off x="773723" y="1125415"/>
-            <a:ext cx="3545059" cy="1200329"/>
+            <a:off x="1195754" y="1347219"/>
+            <a:ext cx="3545059" cy="954107"/>
           </a:xfrm>
           <a:prstGeom prst="rect">
             <a:avLst/>
@@ -8237,71 +8250,87 @@
           <a:lstStyle/>
           <a:p>
             <a:r>
-              <a:rPr lang="en-US" dirty="0"/>
+              <a:rPr lang="en-US" sz="1400" dirty="0"/>
               <a:t>Am </a:t>
             </a:r>
             <a:r>
-              <a:rPr lang="en-US" dirty="0" err="1"/>
+              <a:rPr lang="en-US" sz="1400" dirty="0" err="1"/>
               <a:t>afisat</a:t>
             </a:r>
             <a:r>
-              <a:rPr lang="en-US" dirty="0"/>
-              <a:t> cate </a:t>
-            </a:r>
-            <a:r>
-              <a:rPr lang="en-US" dirty="0" err="1"/>
-              <a:t>carti</a:t>
-            </a:r>
-            <a:r>
-              <a:rPr lang="en-US" dirty="0"/>
-              <a:t> are </a:t>
-            </a:r>
-            <a:r>
-              <a:rPr lang="en-US" dirty="0" err="1"/>
+              <a:rPr lang="en-US" sz="1400" dirty="0"/>
+              <a:t> </a:t>
+            </a:r>
+            <a:r>
+              <a:rPr lang="en-US" sz="1400" dirty="0" err="1"/>
+              <a:t>numarul</a:t>
+            </a:r>
+            <a:r>
+              <a:rPr lang="en-US" sz="1400" dirty="0"/>
+              <a:t> total de </a:t>
+            </a:r>
+            <a:r>
+              <a:rPr lang="en-US" sz="1400" dirty="0" err="1"/>
+              <a:t>exemplare</a:t>
+            </a:r>
+            <a:r>
+              <a:rPr lang="en-US" sz="1400" dirty="0"/>
+              <a:t> </a:t>
+            </a:r>
+            <a:r>
+              <a:rPr lang="en-US" sz="1400" dirty="0" err="1"/>
+              <a:t>pentru</a:t>
+            </a:r>
+            <a:r>
+              <a:rPr lang="en-US" sz="1400" dirty="0"/>
+              <a:t> </a:t>
+            </a:r>
+            <a:r>
+              <a:rPr lang="en-US" sz="1400" dirty="0" err="1"/>
               <a:t>fiecare</a:t>
             </a:r>
             <a:r>
-              <a:rPr lang="en-US" dirty="0"/>
-              <a:t> </a:t>
-            </a:r>
-            <a:r>
-              <a:rPr lang="en-US" dirty="0" err="1"/>
+              <a:rPr lang="en-US" sz="1400" dirty="0"/>
+              <a:t> </a:t>
+            </a:r>
+            <a:r>
+              <a:rPr lang="en-US" sz="1400" dirty="0" err="1"/>
               <a:t>autor</a:t>
             </a:r>
             <a:r>
-              <a:rPr lang="en-US" dirty="0"/>
-              <a:t> in </a:t>
-            </a:r>
-            <a:r>
-              <a:rPr lang="en-US" dirty="0" err="1"/>
+              <a:rPr lang="en-US" sz="1400" dirty="0"/>
+              <a:t>, in </a:t>
+            </a:r>
+            <a:r>
+              <a:rPr lang="en-US" sz="1400" dirty="0" err="1"/>
               <a:t>ordine</a:t>
             </a:r>
             <a:r>
-              <a:rPr lang="en-US" dirty="0"/>
-              <a:t> </a:t>
-            </a:r>
-            <a:r>
-              <a:rPr lang="en-US" dirty="0" err="1"/>
+              <a:rPr lang="en-US" sz="1400" dirty="0"/>
+              <a:t> </a:t>
+            </a:r>
+            <a:r>
+              <a:rPr lang="en-US" sz="1400" dirty="0" err="1"/>
               <a:t>alfabetica</a:t>
             </a:r>
             <a:r>
-              <a:rPr lang="en-US" dirty="0"/>
+              <a:rPr lang="en-US" sz="1400" dirty="0"/>
               <a:t>., </a:t>
             </a:r>
             <a:r>
-              <a:rPr lang="en-US" dirty="0" err="1"/>
+              <a:rPr lang="en-US" sz="1400" dirty="0" err="1"/>
               <a:t>folosind</a:t>
             </a:r>
             <a:r>
-              <a:rPr lang="en-US" dirty="0"/>
-              <a:t> </a:t>
-            </a:r>
-            <a:r>
-              <a:rPr lang="en-US" dirty="0" err="1"/>
+              <a:rPr lang="en-US" sz="1400" dirty="0"/>
+              <a:t> </a:t>
+            </a:r>
+            <a:r>
+              <a:rPr lang="en-US" sz="1400" dirty="0" err="1"/>
               <a:t>sintaxele</a:t>
             </a:r>
             <a:r>
-              <a:rPr lang="en-US" dirty="0"/>
+              <a:rPr lang="en-US" sz="1400" dirty="0"/>
               <a:t> “inner join”, “group by”, “order by”.</a:t>
             </a:r>
           </a:p>
@@ -8359,8 +8388,38 @@
         </p:blipFill>
         <p:spPr>
           <a:xfrm>
-            <a:off x="1223891" y="1927275"/>
-            <a:ext cx="8581292" cy="3518973"/>
+            <a:off x="4399984" y="615636"/>
+            <a:ext cx="6111090" cy="2813363"/>
+          </a:xfrm>
+          <a:prstGeom prst="rect">
+            <a:avLst/>
+          </a:prstGeom>
+        </p:spPr>
+      </p:pic>
+      <p:pic>
+        <p:nvPicPr>
+          <p:cNvPr id="4" name="Imagine 3">
+            <a:extLst>
+              <a:ext uri="{FF2B5EF4-FFF2-40B4-BE49-F238E27FC236}">
+                <a16:creationId xmlns:a16="http://schemas.microsoft.com/office/drawing/2014/main" id="{7E2008CC-94F6-DBE9-9E36-EFC01DE41F78}"/>
+              </a:ext>
+            </a:extLst>
+          </p:cNvPr>
+          <p:cNvPicPr>
+            <a:picLocks noChangeAspect="1"/>
+          </p:cNvPicPr>
+          <p:nvPr/>
+        </p:nvPicPr>
+        <p:blipFill>
+          <a:blip r:embed="rId3"/>
+          <a:stretch>
+            <a:fillRect/>
+          </a:stretch>
+        </p:blipFill>
+        <p:spPr>
+          <a:xfrm>
+            <a:off x="4399984" y="3941540"/>
+            <a:ext cx="6111090" cy="1600423"/>
           </a:xfrm>
           <a:prstGeom prst="rect">
             <a:avLst/>
@@ -8369,10 +8428,10 @@
       </p:pic>
       <p:sp>
         <p:nvSpPr>
-          <p:cNvPr id="6" name="CasetăText 5">
+          <p:cNvPr id="8" name="CasetăText 7">
             <a:extLst>
               <a:ext uri="{FF2B5EF4-FFF2-40B4-BE49-F238E27FC236}">
-                <a16:creationId xmlns:a16="http://schemas.microsoft.com/office/drawing/2014/main" id="{7EC036E2-FCB2-3C55-99D4-C9FF8660A03A}"/>
+                <a16:creationId xmlns:a16="http://schemas.microsoft.com/office/drawing/2014/main" id="{59567CFA-99BE-08D4-E6BF-950B2AFD10E8}"/>
               </a:ext>
             </a:extLst>
           </p:cNvPr>
@@ -8381,8 +8440,76 @@
         </p:nvSpPr>
         <p:spPr>
           <a:xfrm>
-            <a:off x="1547446" y="872196"/>
-            <a:ext cx="7076049" cy="646331"/>
+            <a:off x="1068309" y="1760707"/>
+            <a:ext cx="2860895" cy="523220"/>
+          </a:xfrm>
+          <a:prstGeom prst="rect">
+            <a:avLst/>
+          </a:prstGeom>
+          <a:noFill/>
+        </p:spPr>
+        <p:txBody>
+          <a:bodyPr wrap="square">
+            <a:spAutoFit/>
+          </a:bodyPr>
+          <a:lstStyle/>
+          <a:p>
+            <a:r>
+              <a:rPr lang="en-US" sz="1400" dirty="0" err="1"/>
+              <a:t>Listarea</a:t>
+            </a:r>
+            <a:r>
+              <a:rPr lang="en-US" sz="1400" dirty="0"/>
+              <a:t> </a:t>
+            </a:r>
+            <a:r>
+              <a:rPr lang="en-US" sz="1400" dirty="0" err="1"/>
+              <a:t>cartilor</a:t>
+            </a:r>
+            <a:r>
+              <a:rPr lang="en-US" sz="1400" dirty="0"/>
+              <a:t>, </a:t>
+            </a:r>
+            <a:r>
+              <a:rPr lang="en-US" sz="1400" dirty="0" err="1"/>
+              <a:t>editurilor</a:t>
+            </a:r>
+            <a:r>
+              <a:rPr lang="en-US" sz="1400" dirty="0"/>
+              <a:t> </a:t>
+            </a:r>
+            <a:r>
+              <a:rPr lang="en-US" sz="1400" dirty="0" err="1"/>
+              <a:t>si</a:t>
+            </a:r>
+            <a:r>
+              <a:rPr lang="en-US" sz="1400" dirty="0"/>
+              <a:t> </a:t>
+            </a:r>
+            <a:r>
+              <a:rPr lang="en-US" sz="1400" dirty="0" err="1"/>
+              <a:t>autorilor</a:t>
+            </a:r>
+            <a:endParaRPr lang="en-US" sz="1400" dirty="0"/>
+          </a:p>
+        </p:txBody>
+      </p:sp>
+      <p:sp>
+        <p:nvSpPr>
+          <p:cNvPr id="9" name="CasetăText 8">
+            <a:extLst>
+              <a:ext uri="{FF2B5EF4-FFF2-40B4-BE49-F238E27FC236}">
+                <a16:creationId xmlns:a16="http://schemas.microsoft.com/office/drawing/2014/main" id="{439AD8FD-AD96-AC13-3A0A-0B268E5D5ABE}"/>
+              </a:ext>
+            </a:extLst>
+          </p:cNvPr>
+          <p:cNvSpPr txBox="1"/>
+          <p:nvPr/>
+        </p:nvSpPr>
+        <p:spPr>
+          <a:xfrm>
+            <a:off x="1068309" y="4312464"/>
+            <a:ext cx="2924269" cy="523220"/>
           </a:xfrm>
           <a:prstGeom prst="rect">
             <a:avLst/>
@@ -8396,88 +8523,44 @@
           <a:lstStyle/>
           <a:p>
             <a:r>
-              <a:rPr lang="en-US" dirty="0"/>
-              <a:t>Am </a:t>
-            </a:r>
-            <a:r>
-              <a:rPr lang="en-US" dirty="0" err="1"/>
-              <a:t>folosit</a:t>
-            </a:r>
-            <a:r>
-              <a:rPr lang="en-US" dirty="0"/>
-              <a:t> </a:t>
-            </a:r>
-            <a:r>
-              <a:rPr lang="en-US" dirty="0" err="1"/>
-              <a:t>instructiunea</a:t>
-            </a:r>
-            <a:r>
-              <a:rPr lang="en-US" dirty="0"/>
-              <a:t> “inner join” ,</a:t>
-            </a:r>
-            <a:r>
-              <a:rPr lang="en-US" dirty="0" err="1"/>
-              <a:t>pentru</a:t>
-            </a:r>
-            <a:r>
-              <a:rPr lang="en-US" dirty="0"/>
-              <a:t> </a:t>
-            </a:r>
-            <a:r>
-              <a:rPr lang="en-US" dirty="0" err="1"/>
-              <a:t>listarea</a:t>
-            </a:r>
-            <a:r>
-              <a:rPr lang="en-US" dirty="0"/>
-              <a:t> </a:t>
-            </a:r>
-            <a:r>
-              <a:rPr lang="en-US" dirty="0" err="1"/>
-              <a:t>cartilor</a:t>
-            </a:r>
-            <a:r>
-              <a:rPr lang="en-US" dirty="0"/>
-              <a:t> </a:t>
-            </a:r>
-            <a:r>
-              <a:rPr lang="en-US" dirty="0" err="1"/>
-              <a:t>fiecarui</a:t>
-            </a:r>
-            <a:r>
-              <a:rPr lang="en-US" dirty="0"/>
-              <a:t> </a:t>
-            </a:r>
-            <a:r>
-              <a:rPr lang="en-US" dirty="0" err="1"/>
-              <a:t>autor</a:t>
-            </a:r>
-            <a:r>
-              <a:rPr lang="en-US" dirty="0"/>
-              <a:t> </a:t>
-            </a:r>
-            <a:r>
-              <a:rPr lang="en-US" dirty="0" err="1"/>
-              <a:t>si</a:t>
-            </a:r>
-            <a:r>
-              <a:rPr lang="en-US" dirty="0"/>
-              <a:t> a </a:t>
-            </a:r>
-            <a:r>
-              <a:rPr lang="en-US" dirty="0" err="1"/>
-              <a:t>editurilor</a:t>
-            </a:r>
-            <a:r>
-              <a:rPr lang="en-US" dirty="0"/>
-              <a:t> </a:t>
-            </a:r>
-            <a:r>
-              <a:rPr lang="en-US" dirty="0" err="1"/>
-              <a:t>aferente</a:t>
-            </a:r>
-            <a:r>
-              <a:rPr lang="en-US" dirty="0"/>
-              <a:t>. </a:t>
+              <a:rPr lang="en-US" sz="1400" dirty="0" err="1"/>
+              <a:t>Listarea</a:t>
+            </a:r>
+            <a:r>
+              <a:rPr lang="en-US" sz="1400" dirty="0"/>
+              <a:t> </a:t>
+            </a:r>
+            <a:r>
+              <a:rPr lang="en-US" sz="1400" dirty="0" err="1"/>
+              <a:t>autorilor</a:t>
+            </a:r>
+            <a:r>
+              <a:rPr lang="en-US" sz="1400" dirty="0"/>
+              <a:t> </a:t>
+            </a:r>
+            <a:r>
+              <a:rPr lang="en-US" sz="1400" dirty="0" err="1"/>
+              <a:t>dupa</a:t>
+            </a:r>
+            <a:r>
+              <a:rPr lang="en-US" sz="1400" dirty="0"/>
+              <a:t> </a:t>
+            </a:r>
+            <a:r>
+              <a:rPr lang="en-US" sz="1400" dirty="0" err="1"/>
+              <a:t>nume</a:t>
+            </a:r>
+            <a:r>
+              <a:rPr lang="en-US" sz="1400" dirty="0"/>
+              <a:t>,  </a:t>
+            </a:r>
+            <a:r>
+              <a:rPr lang="en-US" sz="1400" dirty="0" err="1"/>
+              <a:t>prenume</a:t>
+            </a:r>
+            <a:r>
+              <a:rPr lang="en-US" sz="1400" dirty="0"/>
+              <a:t>.</a:t>
             </a:r>
           </a:p>
         </p:txBody>
@@ -8512,12 +8595,92 @@
           <a:chExt cx="0" cy="0"/>
         </a:xfrm>
       </p:grpSpPr>
+      <p:sp>
+        <p:nvSpPr>
+          <p:cNvPr id="4" name="CasetăText 3">
+            <a:extLst>
+              <a:ext uri="{FF2B5EF4-FFF2-40B4-BE49-F238E27FC236}">
+                <a16:creationId xmlns:a16="http://schemas.microsoft.com/office/drawing/2014/main" id="{E7D75DF7-0246-DF4D-8E63-B5EA463A28CC}"/>
+              </a:ext>
+            </a:extLst>
+          </p:cNvPr>
+          <p:cNvSpPr txBox="1"/>
+          <p:nvPr/>
+        </p:nvSpPr>
+        <p:spPr>
+          <a:xfrm>
+            <a:off x="932507" y="1836932"/>
+            <a:ext cx="3114392" cy="523220"/>
+          </a:xfrm>
+          <a:prstGeom prst="rect">
+            <a:avLst/>
+          </a:prstGeom>
+          <a:noFill/>
+        </p:spPr>
+        <p:txBody>
+          <a:bodyPr wrap="square" rtlCol="0">
+            <a:spAutoFit/>
+          </a:bodyPr>
+          <a:lstStyle/>
+          <a:p>
+            <a:r>
+              <a:rPr lang="en-US" sz="1400" dirty="0" err="1"/>
+              <a:t>Listarea</a:t>
+            </a:r>
+            <a:r>
+              <a:rPr lang="en-US" sz="1400" dirty="0"/>
+              <a:t> </a:t>
+            </a:r>
+            <a:r>
+              <a:rPr lang="en-US" sz="1400" dirty="0" err="1"/>
+              <a:t>cartilor</a:t>
+            </a:r>
+            <a:r>
+              <a:rPr lang="en-US" sz="1400" dirty="0"/>
+              <a:t>, </a:t>
+            </a:r>
+            <a:r>
+              <a:rPr lang="en-US" sz="1400" dirty="0" err="1"/>
+              <a:t>autorilor</a:t>
+            </a:r>
+            <a:r>
+              <a:rPr lang="en-US" sz="1400" dirty="0"/>
+              <a:t> </a:t>
+            </a:r>
+            <a:r>
+              <a:rPr lang="en-US" sz="1400" dirty="0" err="1"/>
+              <a:t>si</a:t>
+            </a:r>
+            <a:r>
+              <a:rPr lang="en-US" sz="1400" dirty="0"/>
+              <a:t> </a:t>
+            </a:r>
+            <a:r>
+              <a:rPr lang="en-US" sz="1400" dirty="0" err="1"/>
+              <a:t>editurilor</a:t>
+            </a:r>
+            <a:r>
+              <a:rPr lang="en-US" sz="1400" dirty="0"/>
+              <a:t> </a:t>
+            </a:r>
+            <a:r>
+              <a:rPr lang="en-US" sz="1400" dirty="0" err="1"/>
+              <a:t>folosind</a:t>
+            </a:r>
+            <a:r>
+              <a:rPr lang="en-US" sz="1400" dirty="0"/>
+              <a:t> “left join”</a:t>
+            </a:r>
+            <a:endParaRPr lang="en-US" dirty="0"/>
+          </a:p>
+        </p:txBody>
+      </p:sp>
       <p:pic>
         <p:nvPicPr>
-          <p:cNvPr id="3" name="Imagine 2">
+          <p:cNvPr id="5" name="Imagine 4">
             <a:extLst>
               <a:ext uri="{FF2B5EF4-FFF2-40B4-BE49-F238E27FC236}">
-                <a16:creationId xmlns:a16="http://schemas.microsoft.com/office/drawing/2014/main" id="{A0E0E1FF-0F60-081A-B69A-7E3A477E08ED}"/>
+                <a16:creationId xmlns:a16="http://schemas.microsoft.com/office/drawing/2014/main" id="{3784CC6E-C32D-D6F8-A128-72DA475443A3}"/>
               </a:ext>
             </a:extLst>
           </p:cNvPr>
@@ -8534,8 +8697,8 @@
         </p:blipFill>
         <p:spPr>
           <a:xfrm>
-            <a:off x="901827" y="2478900"/>
-            <a:ext cx="10078857" cy="3391373"/>
+            <a:off x="4653098" y="4361075"/>
+            <a:ext cx="5242722" cy="1191302"/>
           </a:xfrm>
           <a:prstGeom prst="rect">
             <a:avLst/>
@@ -8544,10 +8707,10 @@
       </p:pic>
       <p:sp>
         <p:nvSpPr>
-          <p:cNvPr id="4" name="CasetăText 3">
+          <p:cNvPr id="6" name="CasetăText 5">
             <a:extLst>
               <a:ext uri="{FF2B5EF4-FFF2-40B4-BE49-F238E27FC236}">
-                <a16:creationId xmlns:a16="http://schemas.microsoft.com/office/drawing/2014/main" id="{E7D75DF7-0246-DF4D-8E63-B5EA463A28CC}"/>
+                <a16:creationId xmlns:a16="http://schemas.microsoft.com/office/drawing/2014/main" id="{E3C9A5B5-C93B-BD25-10E6-0FB156EFE4CC}"/>
               </a:ext>
             </a:extLst>
           </p:cNvPr>
@@ -8556,8 +8719,8 @@
         </p:nvSpPr>
         <p:spPr>
           <a:xfrm>
-            <a:off x="1350498" y="1012874"/>
-            <a:ext cx="8018585" cy="646331"/>
+            <a:off x="932507" y="4335271"/>
+            <a:ext cx="3114392" cy="738664"/>
           </a:xfrm>
           <a:prstGeom prst="rect">
             <a:avLst/>
@@ -8571,124 +8734,102 @@
           <a:lstStyle/>
           <a:p>
             <a:r>
-              <a:rPr lang="en-US" dirty="0"/>
-              <a:t>Am </a:t>
-            </a:r>
-            <a:r>
-              <a:rPr lang="en-US" dirty="0" err="1"/>
-              <a:t>folosit</a:t>
-            </a:r>
-            <a:r>
-              <a:rPr lang="en-US" dirty="0"/>
-              <a:t> </a:t>
-            </a:r>
-            <a:r>
-              <a:rPr lang="en-US" dirty="0" err="1"/>
-              <a:t>instructiunea</a:t>
-            </a:r>
-            <a:r>
-              <a:rPr lang="en-US" dirty="0"/>
-              <a:t> “right join” </a:t>
-            </a:r>
-            <a:r>
-              <a:rPr lang="en-US" dirty="0" err="1"/>
-              <a:t>pentru</a:t>
-            </a:r>
-            <a:r>
-              <a:rPr lang="en-US" dirty="0"/>
-              <a:t> </a:t>
-            </a:r>
-            <a:r>
-              <a:rPr lang="en-US" dirty="0" err="1"/>
-              <a:t>listarea</a:t>
-            </a:r>
-            <a:r>
-              <a:rPr lang="en-US" dirty="0"/>
-              <a:t> </a:t>
-            </a:r>
-            <a:r>
-              <a:rPr lang="en-US" dirty="0" err="1"/>
+              <a:rPr lang="en-US" sz="1400" dirty="0" err="1"/>
+              <a:t>Listarea</a:t>
+            </a:r>
+            <a:r>
+              <a:rPr lang="en-US" sz="1400" dirty="0"/>
+              <a:t> </a:t>
+            </a:r>
+            <a:r>
+              <a:rPr lang="en-US" sz="1400" dirty="0" err="1"/>
+              <a:t>cartilor</a:t>
+            </a:r>
+            <a:r>
+              <a:rPr lang="en-US" sz="1400" dirty="0"/>
+              <a:t>, </a:t>
+            </a:r>
+            <a:r>
+              <a:rPr lang="en-US" sz="1400" dirty="0" err="1"/>
+              <a:t>editurilor</a:t>
+            </a:r>
+            <a:r>
+              <a:rPr lang="en-US" sz="1400" dirty="0"/>
+              <a:t> </a:t>
+            </a:r>
+            <a:r>
+              <a:rPr lang="en-US" sz="1400" dirty="0" err="1"/>
+              <a:t>si</a:t>
+            </a:r>
+            <a:r>
+              <a:rPr lang="en-US" sz="1400" dirty="0"/>
+              <a:t> </a:t>
+            </a:r>
+            <a:r>
+              <a:rPr lang="en-US" sz="1400" dirty="0" err="1"/>
               <a:t>autorilor</a:t>
             </a:r>
             <a:r>
-              <a:rPr lang="en-US" dirty="0"/>
-              <a:t>, </a:t>
-            </a:r>
-            <a:r>
-              <a:rPr lang="en-US" dirty="0" err="1"/>
-              <a:t>cartilor</a:t>
-            </a:r>
-            <a:r>
-              <a:rPr lang="en-US" dirty="0"/>
-              <a:t> </a:t>
-            </a:r>
-            <a:r>
-              <a:rPr lang="en-US" dirty="0" err="1"/>
-              <a:t>si</a:t>
-            </a:r>
-            <a:r>
-              <a:rPr lang="en-US" dirty="0"/>
-              <a:t> a </a:t>
-            </a:r>
-            <a:r>
-              <a:rPr lang="en-US" dirty="0" err="1"/>
-              <a:t>editurilor</a:t>
-            </a:r>
-            <a:r>
-              <a:rPr lang="en-US" dirty="0"/>
-              <a:t> ,din </a:t>
-            </a:r>
-            <a:r>
-              <a:rPr lang="en-US" dirty="0" err="1"/>
-              <a:t>tabela</a:t>
-            </a:r>
-            <a:r>
-              <a:rPr lang="en-US" dirty="0"/>
-              <a:t> din </a:t>
-            </a:r>
-            <a:r>
-              <a:rPr lang="en-US" dirty="0" err="1"/>
-              <a:t>dreapta</a:t>
-            </a:r>
-            <a:r>
-              <a:rPr lang="en-US" dirty="0"/>
-              <a:t> </a:t>
-            </a:r>
-            <a:r>
-              <a:rPr lang="en-US" dirty="0" err="1"/>
-              <a:t>si</a:t>
-            </a:r>
-            <a:r>
-              <a:rPr lang="en-US" dirty="0"/>
-              <a:t> a </a:t>
-            </a:r>
-            <a:r>
-              <a:rPr lang="en-US" dirty="0" err="1"/>
-              <a:t>celor</a:t>
-            </a:r>
-            <a:r>
-              <a:rPr lang="en-US" dirty="0"/>
-              <a:t> commune din </a:t>
-            </a:r>
-            <a:r>
-              <a:rPr lang="en-US" dirty="0" err="1"/>
-              <a:t>celelalte</a:t>
-            </a:r>
-            <a:r>
-              <a:rPr lang="en-US" dirty="0"/>
-              <a:t> </a:t>
-            </a:r>
-            <a:r>
-              <a:rPr lang="en-US" dirty="0" err="1"/>
-              <a:t>tabele</a:t>
-            </a:r>
-            <a:r>
-              <a:rPr lang="en-US" dirty="0"/>
-              <a:t> .</a:t>
+              <a:rPr lang="en-US" sz="1400" dirty="0"/>
+              <a:t>, cu </a:t>
+            </a:r>
+            <a:r>
+              <a:rPr lang="en-US" sz="1400" dirty="0" err="1"/>
+              <a:t>numarul</a:t>
+            </a:r>
+            <a:r>
+              <a:rPr lang="en-US" sz="1400" dirty="0"/>
+              <a:t> de </a:t>
+            </a:r>
+            <a:r>
+              <a:rPr lang="en-US" sz="1400" dirty="0" err="1"/>
+              <a:t>exemplare</a:t>
+            </a:r>
+            <a:r>
+              <a:rPr lang="en-US" sz="1400" dirty="0"/>
+              <a:t> </a:t>
+            </a:r>
+            <a:r>
+              <a:rPr lang="en-US" sz="1400" dirty="0" err="1"/>
+              <a:t>mai</a:t>
+            </a:r>
+            <a:r>
+              <a:rPr lang="en-US" sz="1400" dirty="0"/>
+              <a:t> mare de 5.</a:t>
             </a:r>
           </a:p>
         </p:txBody>
       </p:sp>
+      <p:pic>
+        <p:nvPicPr>
+          <p:cNvPr id="8" name="Imagine 7">
+            <a:extLst>
+              <a:ext uri="{FF2B5EF4-FFF2-40B4-BE49-F238E27FC236}">
+                <a16:creationId xmlns:a16="http://schemas.microsoft.com/office/drawing/2014/main" id="{B1A93904-A815-B118-BBAF-49F7812B0D3B}"/>
+              </a:ext>
+            </a:extLst>
+          </p:cNvPr>
+          <p:cNvPicPr>
+            <a:picLocks noChangeAspect="1"/>
+          </p:cNvPicPr>
+          <p:nvPr/>
+        </p:nvPicPr>
+        <p:blipFill>
+          <a:blip r:embed="rId3"/>
+          <a:stretch>
+            <a:fillRect/>
+          </a:stretch>
+        </p:blipFill>
+        <p:spPr>
+          <a:xfrm>
+            <a:off x="4517679" y="863529"/>
+            <a:ext cx="5513561" cy="2993247"/>
+          </a:xfrm>
+          <a:prstGeom prst="rect">
+            <a:avLst/>
+          </a:prstGeom>
+        </p:spPr>
+      </p:pic>
     </p:spTree>
     <p:extLst>
       <p:ext uri="{BB962C8B-B14F-4D97-AF65-F5344CB8AC3E}">
@@ -8737,35 +8878,37 @@
         </p:nvSpPr>
         <p:spPr/>
         <p:txBody>
-          <a:bodyPr/>
+          <a:bodyPr>
+            <a:normAutofit/>
+          </a:bodyPr>
           <a:lstStyle/>
           <a:p>
             <a:r>
-              <a:rPr lang="en-US" dirty="0"/>
+              <a:rPr lang="en-US" sz="2800" dirty="0"/>
               <a:t>Va </a:t>
             </a:r>
             <a:r>
-              <a:rPr lang="en-US" dirty="0" err="1"/>
+              <a:rPr lang="en-US" sz="2800" dirty="0" err="1"/>
               <a:t>multumesc</a:t>
             </a:r>
             <a:r>
-              <a:rPr lang="en-US" dirty="0"/>
-              <a:t> </a:t>
-            </a:r>
-            <a:r>
-              <a:rPr lang="en-US" dirty="0" err="1"/>
+              <a:rPr lang="en-US" sz="2800" dirty="0"/>
+              <a:t> </a:t>
+            </a:r>
+            <a:r>
+              <a:rPr lang="en-US" sz="2800" dirty="0" err="1"/>
               <a:t>pentru</a:t>
             </a:r>
             <a:r>
-              <a:rPr lang="en-US" dirty="0"/>
-              <a:t> </a:t>
-            </a:r>
-            <a:r>
-              <a:rPr lang="en-US" dirty="0" err="1"/>
+              <a:rPr lang="en-US" sz="2800" dirty="0"/>
+              <a:t> </a:t>
+            </a:r>
+            <a:r>
+              <a:rPr lang="en-US" sz="2800" dirty="0" err="1"/>
               <a:t>atentie</a:t>
             </a:r>
             <a:r>
-              <a:rPr lang="en-US" dirty="0"/>
+              <a:rPr lang="en-US" sz="2800" dirty="0"/>
               <a:t>!</a:t>
             </a:r>
           </a:p>
@@ -9005,6 +9148,10 @@
               <a:rPr lang="en-US" dirty="0" err="1"/>
               <a:t>Github</a:t>
             </a:r>
+            <a:r>
+              <a:rPr lang="en-US"/>
+              <a:t> </a:t>
+            </a:r>
             <a:endParaRPr lang="en-US" dirty="0"/>
           </a:p>
           <a:p>
@@ -9013,7 +9160,7 @@
               <a:buChar char="§"/>
             </a:pPr>
             <a:r>
-              <a:rPr lang="it-IT">
+              <a:rPr lang="it-IT" dirty="0">
                 <a:hlinkClick r:id="rId2"/>
               </a:rPr>
               <a:t>Nicoleta-24/proiect_testare (github.com)</a:t>
@@ -9119,7 +9266,7 @@
           </a:bodyPr>
           <a:lstStyle/>
           <a:p>
-            <a:pPr marL="0" indent="0">
+            <a:pPr marL="0" indent="0" algn="just">
               <a:buNone/>
             </a:pPr>
             <a:r>
@@ -9192,7 +9339,7 @@
             </a:r>
           </a:p>
           <a:p>
-            <a:pPr>
+            <a:pPr algn="just">
               <a:buFont typeface="Wingdings" panose="05000000000000000000" pitchFamily="2" charset="2"/>
               <a:buChar char="Ø"/>
             </a:pPr>
@@ -9279,7 +9426,7 @@
             <a:endParaRPr lang="en-US" sz="2200" dirty="0"/>
           </a:p>
           <a:p>
-            <a:pPr marL="0" indent="0">
+            <a:pPr marL="0" indent="0" algn="just">
               <a:buNone/>
             </a:pPr>
             <a:r>
@@ -9368,10 +9515,11 @@
             </a:r>
           </a:p>
           <a:p>
+            <a:pPr algn="just"/>
             <a:endParaRPr lang="en-US" sz="2200" dirty="0"/>
           </a:p>
           <a:p>
-            <a:pPr marL="0" indent="0">
+            <a:pPr marL="0" indent="0" algn="just">
               <a:buNone/>
             </a:pPr>
             <a:r>
@@ -9412,7 +9560,7 @@
             </a:r>
           </a:p>
           <a:p>
-            <a:pPr marL="285750" indent="-285750">
+            <a:pPr marL="285750" indent="-285750" algn="just">
               <a:buFont typeface="Wingdings" panose="05000000000000000000" pitchFamily="2" charset="2"/>
               <a:buChar char="Ø"/>
             </a:pPr>
@@ -9522,7 +9670,7 @@
             </a:r>
           </a:p>
           <a:p>
-            <a:pPr marL="0" indent="0">
+            <a:pPr marL="0" indent="0" algn="just">
               <a:buNone/>
             </a:pPr>
             <a:r>
@@ -9579,10 +9727,11 @@
             </a:r>
           </a:p>
           <a:p>
+            <a:pPr algn="just"/>
             <a:endParaRPr lang="en-US" sz="2200" dirty="0"/>
           </a:p>
           <a:p>
-            <a:pPr marL="0" indent="0">
+            <a:pPr marL="0" indent="0" algn="just">
               <a:buNone/>
             </a:pPr>
             <a:r>
@@ -9647,7 +9796,7 @@
             </a:r>
           </a:p>
           <a:p>
-            <a:pPr>
+            <a:pPr algn="just">
               <a:buFont typeface="Wingdings" panose="05000000000000000000" pitchFamily="2" charset="2"/>
               <a:buChar char="q"/>
             </a:pPr>
@@ -9682,7 +9831,7 @@
             <a:endParaRPr lang="en-US" sz="2200" dirty="0"/>
           </a:p>
           <a:p>
-            <a:pPr marL="285750" indent="-285750">
+            <a:pPr marL="285750" indent="-285750" algn="just">
               <a:buFont typeface="Wingdings" panose="05000000000000000000" pitchFamily="2" charset="2"/>
               <a:buChar char="Ø"/>
             </a:pPr>
@@ -9752,7 +9901,7 @@
             </a:r>
           </a:p>
           <a:p>
-            <a:pPr marL="342900" indent="-342900">
+            <a:pPr marL="342900" indent="-342900" algn="just">
               <a:buFont typeface="Wingdings" panose="05000000000000000000" pitchFamily="2" charset="2"/>
               <a:buChar char="§"/>
             </a:pPr>
@@ -9818,7 +9967,7 @@
             </a:r>
           </a:p>
           <a:p>
-            <a:pPr marL="342900" indent="-342900">
+            <a:pPr marL="342900" indent="-342900" algn="just">
               <a:buFont typeface="Wingdings" panose="05000000000000000000" pitchFamily="2" charset="2"/>
               <a:buChar char="§"/>
             </a:pPr>
@@ -9876,7 +10025,7 @@
             </a:r>
           </a:p>
           <a:p>
-            <a:pPr marL="342900" indent="-342900">
+            <a:pPr marL="342900" indent="-342900" algn="just">
               <a:buFont typeface="Wingdings" panose="05000000000000000000" pitchFamily="2" charset="2"/>
               <a:buChar char="§"/>
             </a:pPr>
@@ -9942,7 +10091,7 @@
             </a:r>
           </a:p>
           <a:p>
-            <a:pPr marL="342900" indent="-342900">
+            <a:pPr marL="342900" indent="-342900" algn="just">
               <a:buFont typeface="Wingdings" panose="05000000000000000000" pitchFamily="2" charset="2"/>
               <a:buChar char="§"/>
             </a:pPr>
@@ -10032,7 +10181,7 @@
             </a:r>
           </a:p>
           <a:p>
-            <a:pPr marL="342900" indent="-342900">
+            <a:pPr marL="342900" indent="-342900" algn="just">
               <a:buFont typeface="Wingdings" panose="05000000000000000000" pitchFamily="2" charset="2"/>
               <a:buChar char="§"/>
             </a:pPr>
@@ -10195,7 +10344,7 @@
             </a:r>
           </a:p>
           <a:p>
-            <a:pPr marL="285750" indent="-285750">
+            <a:pPr marL="285750" indent="-285750" algn="just">
               <a:buFont typeface="Wingdings" panose="05000000000000000000" pitchFamily="2" charset="2"/>
               <a:buChar char="Ø"/>
             </a:pPr>
@@ -10253,10 +10402,11 @@
             </a:r>
           </a:p>
           <a:p>
+            <a:pPr algn="just"/>
             <a:endParaRPr lang="en-US" sz="1200" dirty="0"/>
           </a:p>
           <a:p>
-            <a:pPr marL="342900" indent="-342900">
+            <a:pPr marL="342900" indent="-342900" algn="just">
               <a:buFont typeface="Wingdings" panose="05000000000000000000" pitchFamily="2" charset="2"/>
               <a:buChar char="§"/>
             </a:pPr>
@@ -10402,14 +10552,14 @@
             </a:r>
           </a:p>
           <a:p>
-            <a:pPr marL="285750" indent="-285750">
+            <a:pPr marL="285750" indent="-285750" algn="just">
               <a:buFont typeface="Wingdings" panose="05000000000000000000" pitchFamily="2" charset="2"/>
               <a:buChar char="Ø"/>
             </a:pPr>
             <a:endParaRPr lang="en-US" sz="1200" dirty="0"/>
           </a:p>
           <a:p>
-            <a:pPr marL="285750" indent="-285750">
+            <a:pPr marL="285750" indent="-285750" algn="just">
               <a:buFont typeface="Wingdings" panose="05000000000000000000" pitchFamily="2" charset="2"/>
               <a:buChar char="Ø"/>
             </a:pPr>
@@ -10431,7 +10581,14 @@
             </a:r>
           </a:p>
           <a:p>
-            <a:pPr marL="342900" indent="-342900">
+            <a:pPr marL="285750" indent="-285750" algn="just">
+              <a:buFont typeface="Wingdings" panose="05000000000000000000" pitchFamily="2" charset="2"/>
+              <a:buChar char="Ø"/>
+            </a:pPr>
+            <a:endParaRPr lang="en-US" sz="1200" dirty="0"/>
+          </a:p>
+          <a:p>
+            <a:pPr marL="342900" indent="-342900" algn="just">
               <a:buFont typeface="Wingdings" panose="05000000000000000000" pitchFamily="2" charset="2"/>
               <a:buChar char="§"/>
             </a:pPr>
@@ -10569,18 +10726,22 @@
             </a:r>
           </a:p>
           <a:p>
-            <a:pPr marL="342900" indent="-342900">
+            <a:pPr marL="342900" indent="-342900" algn="just">
               <a:buFont typeface="Wingdings" panose="05000000000000000000" pitchFamily="2" charset="2"/>
               <a:buChar char="§"/>
             </a:pPr>
             <a:endParaRPr lang="en-US" sz="1200" b="1" u="sng" dirty="0"/>
           </a:p>
           <a:p>
-            <a:pPr marL="285750" indent="-285750">
+            <a:pPr marL="285750" indent="-285750" algn="just">
               <a:buFont typeface="Wingdings" panose="05000000000000000000" pitchFamily="2" charset="2"/>
               <a:buChar char="Ø"/>
             </a:pPr>
             <a:r>
+              <a:rPr lang="en-US" sz="1200" dirty="0"/>
+              <a:t>      - </a:t>
+            </a:r>
+            <a:r>
               <a:rPr lang="en-US" sz="1200" b="1" u="sng" dirty="0" err="1"/>
               <a:t>etapa</a:t>
             </a:r>
@@ -10593,592 +10754,125 @@
               <a:t>implementare</a:t>
             </a:r>
             <a:r>
-              <a:rPr lang="en-US" sz="1200" b="1" u="sng" dirty="0"/>
-              <a:t> </a:t>
-            </a:r>
-            <a:r>
-              <a:rPr lang="en-US" sz="1200" dirty="0"/>
-              <a:t>: </a:t>
-            </a:r>
-          </a:p>
-          <a:p>
-            <a:pPr marL="342900" indent="-342900">
-              <a:buFont typeface="Wingdings" panose="05000000000000000000" pitchFamily="2" charset="2"/>
-              <a:buChar char="§"/>
-            </a:pPr>
-            <a:r>
-              <a:rPr lang="en-US" sz="1200" dirty="0"/>
-              <a:t> Se </a:t>
-            </a:r>
-            <a:r>
-              <a:rPr lang="en-US" sz="1200" dirty="0" err="1"/>
-              <a:t>creează</a:t>
-            </a:r>
-            <a:r>
-              <a:rPr lang="en-US" sz="1200" dirty="0"/>
-              <a:t> </a:t>
-            </a:r>
-            <a:r>
-              <a:rPr lang="en-US" sz="1200" dirty="0" err="1"/>
-              <a:t>datele</a:t>
-            </a:r>
-            <a:r>
-              <a:rPr lang="en-US" sz="1200" dirty="0"/>
-              <a:t> de </a:t>
-            </a:r>
-            <a:r>
-              <a:rPr lang="en-US" sz="1200" dirty="0" err="1"/>
-              <a:t>testare</a:t>
-            </a:r>
-            <a:r>
-              <a:rPr lang="en-US" sz="1200" dirty="0"/>
-              <a:t> </a:t>
-            </a:r>
-            <a:r>
-              <a:rPr lang="en-US" sz="1200" dirty="0" err="1"/>
-              <a:t>identificate</a:t>
-            </a:r>
-            <a:r>
-              <a:rPr lang="en-US" sz="1200" dirty="0"/>
-              <a:t> </a:t>
-            </a:r>
-            <a:r>
-              <a:rPr lang="en-US" sz="1200" dirty="0" err="1"/>
-              <a:t>în</a:t>
-            </a:r>
-            <a:r>
-              <a:rPr lang="en-US" sz="1200" dirty="0"/>
-              <a:t> </a:t>
-            </a:r>
-            <a:r>
-              <a:rPr lang="en-US" sz="1200" dirty="0" err="1"/>
-              <a:t>etapa</a:t>
-            </a:r>
-            <a:r>
-              <a:rPr lang="en-US" sz="1200" dirty="0"/>
-              <a:t> </a:t>
-            </a:r>
-            <a:r>
-              <a:rPr lang="en-US" sz="1200" dirty="0" err="1"/>
-              <a:t>anterioara</a:t>
-            </a:r>
-            <a:r>
-              <a:rPr lang="en-US" sz="1200" dirty="0"/>
-              <a:t>;                       </a:t>
-            </a:r>
-          </a:p>
-          <a:p>
-            <a:pPr marL="342900" indent="-342900">
-              <a:buFont typeface="Wingdings" panose="05000000000000000000" pitchFamily="2" charset="2"/>
-              <a:buChar char="§"/>
-            </a:pPr>
-            <a:r>
-              <a:rPr lang="en-US" sz="1200" dirty="0"/>
-              <a:t> Se </a:t>
-            </a:r>
-            <a:r>
-              <a:rPr lang="en-US" sz="1200" dirty="0" err="1"/>
-              <a:t>validează</a:t>
-            </a:r>
-            <a:r>
-              <a:rPr lang="en-US" sz="1200" dirty="0"/>
-              <a:t> </a:t>
-            </a:r>
-            <a:r>
-              <a:rPr lang="en-US" sz="1200" dirty="0" err="1"/>
-              <a:t>mediul</a:t>
-            </a:r>
-            <a:r>
-              <a:rPr lang="en-US" sz="1200" dirty="0"/>
-              <a:t> de test </a:t>
-            </a:r>
-            <a:r>
-              <a:rPr lang="en-US" sz="1200" dirty="0" err="1"/>
-              <a:t>prin</a:t>
-            </a:r>
-            <a:r>
-              <a:rPr lang="en-US" sz="1200" dirty="0"/>
-              <a:t> </a:t>
-            </a:r>
-            <a:r>
-              <a:rPr lang="en-US" sz="1200" dirty="0" err="1"/>
-              <a:t>intermediul</a:t>
-            </a:r>
-            <a:r>
-              <a:rPr lang="en-US" sz="1200" dirty="0"/>
-              <a:t> smoke testing (se face de </a:t>
-            </a:r>
-            <a:r>
-              <a:rPr lang="en-US" sz="1200" dirty="0" err="1"/>
-              <a:t>regulă</a:t>
-            </a:r>
-            <a:r>
-              <a:rPr lang="en-US" sz="1200" dirty="0"/>
-              <a:t> la </a:t>
-            </a:r>
-            <a:r>
-              <a:rPr lang="en-US" sz="1200" dirty="0" err="1"/>
-              <a:t>începutul</a:t>
-            </a:r>
-            <a:r>
-              <a:rPr lang="en-US" sz="1200" dirty="0"/>
-              <a:t> </a:t>
-            </a:r>
-            <a:r>
-              <a:rPr lang="en-US" sz="1200" dirty="0" err="1"/>
-              <a:t>testării</a:t>
-            </a:r>
-            <a:r>
-              <a:rPr lang="en-US" sz="1200" dirty="0"/>
-              <a:t> </a:t>
-            </a:r>
-            <a:r>
-              <a:rPr lang="en-US" sz="1200" dirty="0" err="1"/>
-              <a:t>pentru</a:t>
-            </a:r>
-            <a:r>
-              <a:rPr lang="en-US" sz="1200" dirty="0"/>
-              <a:t> a </a:t>
-            </a:r>
-            <a:r>
-              <a:rPr lang="en-US" sz="1200" dirty="0" err="1"/>
-              <a:t>verifica</a:t>
-            </a:r>
-            <a:r>
-              <a:rPr lang="en-US" sz="1200" dirty="0"/>
-              <a:t> </a:t>
-            </a:r>
-            <a:r>
-              <a:rPr lang="en-US" sz="1200" dirty="0" err="1"/>
-              <a:t>dacă</a:t>
-            </a:r>
-            <a:r>
-              <a:rPr lang="en-US" sz="1200" dirty="0"/>
-              <a:t> </a:t>
-            </a:r>
-            <a:r>
-              <a:rPr lang="en-US" sz="1200" dirty="0" err="1"/>
-              <a:t>sistemul</a:t>
-            </a:r>
-            <a:r>
-              <a:rPr lang="en-US" sz="1200" dirty="0"/>
-              <a:t> </a:t>
-            </a:r>
-            <a:r>
-              <a:rPr lang="en-US" sz="1200" dirty="0" err="1"/>
-              <a:t>este</a:t>
-            </a:r>
-            <a:r>
-              <a:rPr lang="en-US" sz="1200" dirty="0"/>
-              <a:t> </a:t>
-            </a:r>
-            <a:r>
-              <a:rPr lang="en-US" sz="1200" dirty="0" err="1"/>
-              <a:t>suficient</a:t>
-            </a:r>
-            <a:r>
-              <a:rPr lang="en-US" sz="1200" dirty="0"/>
-              <a:t> de </a:t>
-            </a:r>
-            <a:r>
-              <a:rPr lang="en-US" sz="1200" dirty="0" err="1"/>
-              <a:t>stabil</a:t>
-            </a:r>
-            <a:r>
-              <a:rPr lang="en-US" sz="1200" dirty="0"/>
-              <a:t> </a:t>
-            </a:r>
-            <a:r>
-              <a:rPr lang="en-US" sz="1200" dirty="0" err="1"/>
-              <a:t>pentru</a:t>
-            </a:r>
-            <a:r>
-              <a:rPr lang="en-US" sz="1200" dirty="0"/>
-              <a:t> a </a:t>
-            </a:r>
-            <a:r>
-              <a:rPr lang="en-US" sz="1200" dirty="0" err="1"/>
-              <a:t>începe</a:t>
-            </a:r>
-            <a:r>
-              <a:rPr lang="en-US" sz="1200" dirty="0"/>
-              <a:t> </a:t>
-            </a:r>
-            <a:r>
-              <a:rPr lang="en-US" sz="1200" dirty="0" err="1"/>
-              <a:t>testarea</a:t>
-            </a:r>
-            <a:r>
-              <a:rPr lang="en-US" sz="1200" dirty="0"/>
-              <a:t>);</a:t>
-            </a:r>
-          </a:p>
-          <a:p>
-            <a:pPr marL="342900" indent="-342900">
-              <a:buFont typeface="Wingdings" panose="05000000000000000000" pitchFamily="2" charset="2"/>
-              <a:buChar char="§"/>
-            </a:pPr>
-            <a:r>
-              <a:rPr lang="en-US" sz="1200" dirty="0"/>
-              <a:t>  Se </a:t>
-            </a:r>
-            <a:r>
-              <a:rPr lang="en-US" sz="1200" dirty="0" err="1"/>
-              <a:t>prioritizeaza</a:t>
-            </a:r>
-            <a:r>
-              <a:rPr lang="en-US" sz="1200" dirty="0"/>
-              <a:t> </a:t>
-            </a:r>
-            <a:r>
-              <a:rPr lang="en-US" sz="1200" dirty="0" err="1"/>
-              <a:t>testele</a:t>
-            </a:r>
-            <a:r>
-              <a:rPr lang="en-US" sz="1200" dirty="0"/>
-              <a:t> (pe </a:t>
-            </a:r>
-            <a:r>
-              <a:rPr lang="en-US" sz="1200" dirty="0" err="1"/>
-              <a:t>baza</a:t>
-            </a:r>
-            <a:r>
-              <a:rPr lang="en-US" sz="1200" dirty="0"/>
-              <a:t> </a:t>
-            </a:r>
-            <a:r>
-              <a:rPr lang="en-US" sz="1200" dirty="0" err="1"/>
-              <a:t>importanței</a:t>
-            </a:r>
-            <a:r>
-              <a:rPr lang="en-US" sz="1200" dirty="0"/>
-              <a:t> de business </a:t>
-            </a:r>
-            <a:r>
-              <a:rPr lang="en-US" sz="1200" dirty="0" err="1"/>
-              <a:t>și</a:t>
-            </a:r>
-            <a:r>
-              <a:rPr lang="en-US" sz="1200" dirty="0"/>
-              <a:t> a </a:t>
-            </a:r>
-            <a:r>
-              <a:rPr lang="en-US" sz="1200" dirty="0" err="1"/>
-              <a:t>riscurilor</a:t>
-            </a:r>
-            <a:r>
-              <a:rPr lang="en-US" sz="1200" dirty="0"/>
-              <a:t>) </a:t>
-            </a:r>
-            <a:r>
-              <a:rPr lang="en-US" sz="1200" dirty="0" err="1"/>
-              <a:t>și</a:t>
-            </a:r>
-            <a:r>
-              <a:rPr lang="en-US" sz="1200" dirty="0"/>
-              <a:t> se </a:t>
-            </a:r>
-            <a:r>
-              <a:rPr lang="en-US" sz="1200" dirty="0" err="1"/>
-              <a:t>crează</a:t>
-            </a:r>
-            <a:r>
-              <a:rPr lang="en-US" sz="1200" dirty="0"/>
-              <a:t> </a:t>
-            </a:r>
-            <a:r>
-              <a:rPr lang="en-US" sz="1200" dirty="0" err="1"/>
-              <a:t>datele</a:t>
-            </a:r>
-            <a:r>
-              <a:rPr lang="en-US" sz="1200" dirty="0"/>
-              <a:t> de </a:t>
-            </a:r>
-            <a:r>
-              <a:rPr lang="en-US" sz="1200" dirty="0" err="1"/>
-              <a:t>testare</a:t>
-            </a:r>
-            <a:r>
-              <a:rPr lang="en-US" sz="1200" dirty="0"/>
-              <a:t>;                       </a:t>
-            </a:r>
-          </a:p>
-          <a:p>
-            <a:pPr marL="342900" indent="-342900">
-              <a:buFont typeface="Wingdings" panose="05000000000000000000" pitchFamily="2" charset="2"/>
-              <a:buChar char="§"/>
-            </a:pPr>
-            <a:r>
-              <a:rPr lang="en-US" sz="1200" dirty="0"/>
-              <a:t> Se </a:t>
-            </a:r>
-            <a:r>
-              <a:rPr lang="en-US" sz="1200" dirty="0" err="1"/>
-              <a:t>grupează</a:t>
-            </a:r>
-            <a:r>
-              <a:rPr lang="en-US" sz="1200" dirty="0"/>
-              <a:t> </a:t>
-            </a:r>
-            <a:r>
-              <a:rPr lang="en-US" sz="1200" dirty="0" err="1"/>
-              <a:t>testele</a:t>
-            </a:r>
-            <a:r>
-              <a:rPr lang="en-US" sz="1200" dirty="0"/>
-              <a:t> pe </a:t>
-            </a:r>
-            <a:r>
-              <a:rPr lang="en-US" sz="1200" dirty="0" err="1"/>
-              <a:t>baza</a:t>
-            </a:r>
-            <a:r>
-              <a:rPr lang="en-US" sz="1200" dirty="0"/>
-              <a:t> </a:t>
-            </a:r>
-            <a:r>
-              <a:rPr lang="en-US" sz="1200" dirty="0" err="1"/>
-              <a:t>obiectivelor</a:t>
-            </a:r>
-            <a:r>
-              <a:rPr lang="en-US" sz="1200" dirty="0"/>
-              <a:t> lor (</a:t>
-            </a:r>
-            <a:r>
-              <a:rPr lang="en-US" sz="1200" dirty="0" err="1"/>
-              <a:t>testare</a:t>
-            </a:r>
-            <a:r>
-              <a:rPr lang="en-US" sz="1200" dirty="0"/>
-              <a:t> </a:t>
-            </a:r>
-            <a:r>
-              <a:rPr lang="en-US" sz="1200" dirty="0" err="1"/>
-              <a:t>funcțională</a:t>
-            </a:r>
-            <a:r>
-              <a:rPr lang="en-US" sz="1200" dirty="0"/>
-              <a:t>, </a:t>
-            </a:r>
-            <a:r>
-              <a:rPr lang="en-US" sz="1200" dirty="0" err="1"/>
-              <a:t>testare</a:t>
-            </a:r>
-            <a:r>
-              <a:rPr lang="en-US" sz="1200" dirty="0"/>
-              <a:t> de </a:t>
-            </a:r>
-            <a:r>
-              <a:rPr lang="en-US" sz="1200" dirty="0" err="1"/>
-              <a:t>regresie</a:t>
-            </a:r>
-            <a:r>
-              <a:rPr lang="en-US" sz="1200" dirty="0"/>
-              <a:t>, </a:t>
-            </a:r>
-            <a:r>
-              <a:rPr lang="en-US" sz="1200" dirty="0" err="1"/>
-              <a:t>testare</a:t>
-            </a:r>
-            <a:r>
-              <a:rPr lang="en-US" sz="1200" dirty="0"/>
-              <a:t> de </a:t>
-            </a:r>
-            <a:r>
-              <a:rPr lang="en-US" sz="1200" dirty="0" err="1"/>
-              <a:t>acceptanță</a:t>
-            </a:r>
-            <a:r>
-              <a:rPr lang="en-US" sz="1200" dirty="0"/>
-              <a:t> </a:t>
-            </a:r>
-            <a:r>
-              <a:rPr lang="en-US" sz="1200" dirty="0" err="1"/>
-              <a:t>etc</a:t>
-            </a:r>
-            <a:r>
-              <a:rPr lang="en-US" sz="1200" dirty="0"/>
-              <a:t>)</a:t>
-            </a:r>
-          </a:p>
-          <a:p>
-            <a:pPr marL="342900" indent="-342900">
-              <a:buFont typeface="Wingdings" panose="05000000000000000000" pitchFamily="2" charset="2"/>
-              <a:buChar char="§"/>
-            </a:pPr>
-            <a:r>
-              <a:rPr lang="en-US" sz="1200" dirty="0"/>
-              <a:t> Ne </a:t>
-            </a:r>
-            <a:r>
-              <a:rPr lang="en-US" sz="1200" dirty="0" err="1"/>
-              <a:t>asigurăm</a:t>
-            </a:r>
-            <a:r>
-              <a:rPr lang="en-US" sz="1200" dirty="0"/>
-              <a:t> </a:t>
-            </a:r>
-            <a:r>
-              <a:rPr lang="en-US" sz="1200" dirty="0" err="1"/>
-              <a:t>că</a:t>
-            </a:r>
-            <a:r>
-              <a:rPr lang="en-US" sz="1200" dirty="0"/>
-              <a:t> </a:t>
-            </a:r>
-            <a:r>
-              <a:rPr lang="en-US" sz="1200" dirty="0" err="1"/>
-              <a:t>avem</a:t>
-            </a:r>
-            <a:r>
-              <a:rPr lang="en-US" sz="1200" dirty="0"/>
-              <a:t> tot </a:t>
-            </a:r>
-            <a:r>
-              <a:rPr lang="en-US" sz="1200" dirty="0" err="1"/>
-              <a:t>ce</a:t>
-            </a:r>
-            <a:r>
-              <a:rPr lang="en-US" sz="1200" dirty="0"/>
-              <a:t> ne </a:t>
-            </a:r>
-            <a:r>
-              <a:rPr lang="en-US" sz="1200" dirty="0" err="1"/>
-              <a:t>trebuie</a:t>
-            </a:r>
-            <a:r>
-              <a:rPr lang="en-US" sz="1200" dirty="0"/>
-              <a:t> </a:t>
-            </a:r>
-            <a:r>
-              <a:rPr lang="en-US" sz="1200" dirty="0" err="1"/>
-              <a:t>pentru</a:t>
-            </a:r>
-            <a:r>
-              <a:rPr lang="en-US" sz="1200" dirty="0"/>
-              <a:t> a </a:t>
-            </a:r>
-            <a:r>
-              <a:rPr lang="en-US" sz="1200" dirty="0" err="1"/>
-              <a:t>începe</a:t>
-            </a:r>
-            <a:r>
-              <a:rPr lang="en-US" sz="1200" dirty="0"/>
-              <a:t> </a:t>
-            </a:r>
-            <a:r>
-              <a:rPr lang="en-US" sz="1200" dirty="0" err="1"/>
-              <a:t>testarea</a:t>
-            </a:r>
-            <a:r>
-              <a:rPr lang="en-US" sz="1200" dirty="0"/>
-              <a:t> </a:t>
-            </a:r>
-            <a:r>
-              <a:rPr lang="en-US" sz="1200" dirty="0" err="1"/>
-              <a:t>propriu-zisă</a:t>
-            </a:r>
-            <a:r>
-              <a:rPr lang="en-US" sz="1200" dirty="0"/>
-              <a:t> (</a:t>
-            </a:r>
-            <a:r>
-              <a:rPr lang="en-US" sz="1200" dirty="0" err="1"/>
-              <a:t>mediu</a:t>
-            </a:r>
-            <a:r>
-              <a:rPr lang="en-US" sz="1200" dirty="0"/>
-              <a:t> de </a:t>
-            </a:r>
-            <a:r>
-              <a:rPr lang="en-US" sz="1200" dirty="0" err="1"/>
-              <a:t>testare</a:t>
-            </a:r>
-            <a:r>
-              <a:rPr lang="en-US" sz="1200" dirty="0"/>
-              <a:t>, </a:t>
-            </a:r>
-            <a:r>
-              <a:rPr lang="en-US" sz="1200" dirty="0" err="1"/>
-              <a:t>permisiuni</a:t>
-            </a:r>
-            <a:r>
-              <a:rPr lang="en-US" sz="1200" dirty="0"/>
-              <a:t>, date de </a:t>
-            </a:r>
-            <a:r>
-              <a:rPr lang="en-US" sz="1200" dirty="0" err="1"/>
-              <a:t>testare</a:t>
-            </a:r>
-            <a:r>
-              <a:rPr lang="en-US" sz="1200" dirty="0"/>
-              <a:t>, </a:t>
-            </a:r>
-            <a:r>
-              <a:rPr lang="en-US" sz="1200" dirty="0" err="1"/>
-              <a:t>documentație</a:t>
-            </a:r>
-            <a:r>
-              <a:rPr lang="en-US" sz="1200" dirty="0"/>
-              <a:t> </a:t>
-            </a:r>
-            <a:r>
-              <a:rPr lang="en-US" sz="1200" dirty="0" err="1"/>
-              <a:t>etc</a:t>
-            </a:r>
-            <a:r>
-              <a:rPr lang="en-US" sz="1200" dirty="0"/>
-              <a:t>)</a:t>
-            </a:r>
-          </a:p>
-          <a:p>
-            <a:endParaRPr lang="en-US" sz="1400" b="1" u="sng" dirty="0"/>
-          </a:p>
-          <a:p>
-            <a:pPr marL="342900" indent="-342900">
-              <a:buFont typeface="Wingdings" panose="05000000000000000000" pitchFamily="2" charset="2"/>
-              <a:buChar char="Ø"/>
-            </a:pPr>
-            <a:r>
-              <a:rPr lang="en-US" sz="1200" b="1" u="sng" dirty="0" err="1"/>
-              <a:t>etapa</a:t>
-            </a:r>
-            <a:r>
-              <a:rPr lang="en-US" sz="1200" b="1" u="sng" dirty="0"/>
-              <a:t> de </a:t>
-            </a:r>
-            <a:r>
-              <a:rPr lang="en-US" sz="1200" b="1" u="sng" dirty="0" err="1"/>
-              <a:t>executie</a:t>
-            </a:r>
-            <a:r>
-              <a:rPr lang="en-US" sz="1200" b="1" u="sng" dirty="0"/>
-              <a:t> </a:t>
-            </a:r>
-            <a:r>
-              <a:rPr lang="en-US" sz="1200" dirty="0"/>
-              <a:t>: </a:t>
-            </a:r>
-          </a:p>
-          <a:p>
-            <a:pPr marL="342900" indent="-342900">
+              <a:rPr lang="en-US" sz="1200" dirty="0"/>
+              <a:t>:</a:t>
+            </a:r>
+          </a:p>
+          <a:p>
+            <a:pPr marL="285750" indent="-285750" algn="just">
               <a:buFont typeface="Wingdings" panose="05000000000000000000" pitchFamily="2" charset="2"/>
               <a:buChar char="Ø"/>
             </a:pPr>
             <a:endParaRPr lang="en-US" sz="1200" dirty="0"/>
           </a:p>
           <a:p>
-            <a:pPr marL="342900" indent="-342900">
+            <a:pPr marL="342900" indent="-342900" algn="just">
               <a:buFont typeface="Wingdings" panose="05000000000000000000" pitchFamily="2" charset="2"/>
               <a:buChar char="§"/>
             </a:pPr>
             <a:r>
               <a:rPr lang="en-US" sz="1200" dirty="0"/>
-              <a:t> </a:t>
-            </a:r>
-            <a:r>
-              <a:rPr lang="en-US" sz="1200" dirty="0" err="1"/>
-              <a:t>cazurile</a:t>
+              <a:t>Se </a:t>
+            </a:r>
+            <a:r>
+              <a:rPr lang="en-US" sz="1200" dirty="0" err="1"/>
+              <a:t>validează</a:t>
+            </a:r>
+            <a:r>
+              <a:rPr lang="en-US" sz="1200" dirty="0"/>
+              <a:t> </a:t>
+            </a:r>
+            <a:r>
+              <a:rPr lang="en-US" sz="1200" dirty="0" err="1"/>
+              <a:t>mediul</a:t>
+            </a:r>
+            <a:r>
+              <a:rPr lang="en-US" sz="1200" dirty="0"/>
+              <a:t> de test </a:t>
+            </a:r>
+            <a:r>
+              <a:rPr lang="en-US" sz="1200" dirty="0" err="1"/>
+              <a:t>prin</a:t>
+            </a:r>
+            <a:r>
+              <a:rPr lang="en-US" sz="1200" dirty="0"/>
+              <a:t> </a:t>
+            </a:r>
+            <a:r>
+              <a:rPr lang="en-US" sz="1200" dirty="0" err="1"/>
+              <a:t>intermediul</a:t>
+            </a:r>
+            <a:r>
+              <a:rPr lang="en-US" sz="1200" dirty="0"/>
+              <a:t> smoke testing (se face de </a:t>
+            </a:r>
+            <a:r>
+              <a:rPr lang="en-US" sz="1200" dirty="0" err="1"/>
+              <a:t>regulă</a:t>
+            </a:r>
+            <a:r>
+              <a:rPr lang="en-US" sz="1200" dirty="0"/>
+              <a:t> la </a:t>
+            </a:r>
+            <a:r>
+              <a:rPr lang="en-US" sz="1200" dirty="0" err="1"/>
+              <a:t>începutul</a:t>
+            </a:r>
+            <a:r>
+              <a:rPr lang="en-US" sz="1200" dirty="0"/>
+              <a:t> </a:t>
+            </a:r>
+            <a:r>
+              <a:rPr lang="en-US" sz="1200" dirty="0" err="1"/>
+              <a:t>testării</a:t>
+            </a:r>
+            <a:r>
+              <a:rPr lang="en-US" sz="1200" dirty="0"/>
+              <a:t> </a:t>
+            </a:r>
+            <a:r>
+              <a:rPr lang="en-US" sz="1200" dirty="0" err="1"/>
+              <a:t>pentru</a:t>
+            </a:r>
+            <a:r>
+              <a:rPr lang="en-US" sz="1200" dirty="0"/>
+              <a:t> a </a:t>
+            </a:r>
+            <a:r>
+              <a:rPr lang="en-US" sz="1200" dirty="0" err="1"/>
+              <a:t>verifica</a:t>
+            </a:r>
+            <a:r>
+              <a:rPr lang="en-US" sz="1200" dirty="0"/>
+              <a:t> </a:t>
+            </a:r>
+            <a:r>
+              <a:rPr lang="en-US" sz="1200" dirty="0" err="1"/>
+              <a:t>dacă</a:t>
+            </a:r>
+            <a:r>
+              <a:rPr lang="en-US" sz="1200" dirty="0"/>
+              <a:t> </a:t>
+            </a:r>
+            <a:r>
+              <a:rPr lang="en-US" sz="1200" dirty="0" err="1"/>
+              <a:t>sistemul</a:t>
+            </a:r>
+            <a:r>
+              <a:rPr lang="en-US" sz="1200" dirty="0"/>
+              <a:t> </a:t>
+            </a:r>
+            <a:r>
+              <a:rPr lang="en-US" sz="1200" dirty="0" err="1"/>
+              <a:t>este</a:t>
+            </a:r>
+            <a:r>
+              <a:rPr lang="en-US" sz="1200" dirty="0"/>
+              <a:t> </a:t>
+            </a:r>
+            <a:r>
+              <a:rPr lang="en-US" sz="1200" dirty="0" err="1"/>
+              <a:t>suficient</a:t>
             </a:r>
             <a:r>
               <a:rPr lang="en-US" sz="1200" dirty="0"/>
@@ -11186,157 +10880,49 @@
             </a:r>
             <a:r>
               <a:rPr lang="en-US" sz="1200" dirty="0" err="1"/>
-              <a:t>testare</a:t>
-            </a:r>
-            <a:r>
-              <a:rPr lang="en-US" sz="1200" dirty="0"/>
-              <a:t> sunt </a:t>
-            </a:r>
-            <a:r>
-              <a:rPr lang="en-US" sz="1200" dirty="0" err="1"/>
-              <a:t>executate</a:t>
-            </a:r>
-            <a:r>
-              <a:rPr lang="en-US" sz="1200" dirty="0"/>
-              <a:t> (</a:t>
-            </a:r>
-            <a:r>
-              <a:rPr lang="en-US" sz="1200" dirty="0" err="1"/>
-              <a:t>adică</a:t>
-            </a:r>
-            <a:r>
-              <a:rPr lang="en-US" sz="1200" dirty="0"/>
-              <a:t> </a:t>
-            </a:r>
-            <a:r>
-              <a:rPr lang="en-US" sz="1200" dirty="0" err="1"/>
-              <a:t>verificam</a:t>
-            </a:r>
-            <a:r>
-              <a:rPr lang="en-US" sz="1200" dirty="0"/>
-              <a:t> </a:t>
-            </a:r>
-            <a:r>
-              <a:rPr lang="en-US" sz="1200" dirty="0" err="1"/>
-              <a:t>comportamentul</a:t>
-            </a:r>
-            <a:r>
-              <a:rPr lang="en-US" sz="1200" dirty="0"/>
-              <a:t> </a:t>
-            </a:r>
-            <a:r>
-              <a:rPr lang="en-US" sz="1200" dirty="0" err="1"/>
-              <a:t>produsului</a:t>
-            </a:r>
-            <a:r>
-              <a:rPr lang="en-US" sz="1200" dirty="0"/>
-              <a:t> software pe </a:t>
-            </a:r>
-            <a:r>
-              <a:rPr lang="en-US" sz="1200" dirty="0" err="1"/>
-              <a:t>baza</a:t>
-            </a:r>
-            <a:r>
-              <a:rPr lang="en-US" sz="1200" dirty="0"/>
-              <a:t> </a:t>
-            </a:r>
-            <a:r>
-              <a:rPr lang="en-US" sz="1200" dirty="0" err="1"/>
-              <a:t>instrucțiunilor</a:t>
-            </a:r>
-            <a:r>
-              <a:rPr lang="en-US" sz="1200" dirty="0"/>
-              <a:t> </a:t>
-            </a:r>
-            <a:r>
-              <a:rPr lang="en-US" sz="1200" dirty="0" err="1"/>
-              <a:t>scrise</a:t>
-            </a:r>
-            <a:r>
-              <a:rPr lang="en-US" sz="1200" dirty="0"/>
-              <a:t> </a:t>
-            </a:r>
-            <a:r>
-              <a:rPr lang="en-US" sz="1200" dirty="0" err="1"/>
-              <a:t>în</a:t>
-            </a:r>
-            <a:r>
-              <a:rPr lang="en-US" sz="1200" dirty="0"/>
-              <a:t> </a:t>
-            </a:r>
-            <a:r>
-              <a:rPr lang="en-US" sz="1200" dirty="0" err="1"/>
-              <a:t>cazurile</a:t>
-            </a:r>
-            <a:r>
-              <a:rPr lang="en-US" sz="1200" dirty="0"/>
-              <a:t> de </a:t>
-            </a:r>
-            <a:r>
-              <a:rPr lang="en-US" sz="1200" dirty="0" err="1"/>
-              <a:t>testare</a:t>
-            </a:r>
-            <a:r>
-              <a:rPr lang="en-US" sz="1200" dirty="0"/>
-              <a:t>); </a:t>
-            </a:r>
-          </a:p>
-          <a:p>
-            <a:pPr marL="342900" indent="-342900">
+              <a:t>stabil</a:t>
+            </a:r>
+            <a:r>
+              <a:rPr lang="en-US" sz="1200" dirty="0"/>
+              <a:t> </a:t>
+            </a:r>
+            <a:r>
+              <a:rPr lang="en-US" sz="1200" dirty="0" err="1"/>
+              <a:t>pentru</a:t>
+            </a:r>
+            <a:r>
+              <a:rPr lang="en-US" sz="1200" dirty="0"/>
+              <a:t> a </a:t>
+            </a:r>
+            <a:r>
+              <a:rPr lang="en-US" sz="1200" dirty="0" err="1"/>
+              <a:t>începe</a:t>
+            </a:r>
+            <a:r>
+              <a:rPr lang="en-US" sz="1200" dirty="0"/>
+              <a:t> </a:t>
+            </a:r>
+            <a:r>
+              <a:rPr lang="en-US" sz="1200" dirty="0" err="1"/>
+              <a:t>testarea</a:t>
+            </a:r>
+            <a:r>
+              <a:rPr lang="en-US" sz="1200" dirty="0"/>
+              <a:t>);</a:t>
+            </a:r>
+          </a:p>
+          <a:p>
+            <a:pPr marL="342900" indent="-342900" algn="just">
               <a:buFont typeface="Wingdings" panose="05000000000000000000" pitchFamily="2" charset="2"/>
               <a:buChar char="§"/>
             </a:pPr>
             <a:r>
-              <a:rPr lang="en-US" sz="1200" dirty="0" err="1"/>
-              <a:t>rezultatele</a:t>
-            </a:r>
-            <a:r>
-              <a:rPr lang="en-US" sz="1200" dirty="0"/>
-              <a:t> sunt </a:t>
-            </a:r>
-            <a:r>
-              <a:rPr lang="en-US" sz="1200" dirty="0" err="1"/>
-              <a:t>raportate</a:t>
-            </a:r>
-            <a:r>
-              <a:rPr lang="en-US" sz="1200" dirty="0"/>
-              <a:t> </a:t>
-            </a:r>
-            <a:r>
-              <a:rPr lang="en-US" sz="1200" dirty="0" err="1"/>
-              <a:t>în</a:t>
-            </a:r>
-            <a:r>
-              <a:rPr lang="en-US" sz="1200" dirty="0"/>
-              <a:t> tool-</a:t>
-            </a:r>
-            <a:r>
-              <a:rPr lang="en-US" sz="1200" dirty="0" err="1"/>
-              <a:t>ul</a:t>
-            </a:r>
-            <a:r>
-              <a:rPr lang="en-US" sz="1200" dirty="0"/>
-              <a:t> </a:t>
-            </a:r>
-            <a:r>
-              <a:rPr lang="en-US" sz="1200" dirty="0" err="1"/>
-              <a:t>în</a:t>
-            </a:r>
-            <a:r>
-              <a:rPr lang="en-US" sz="1200" dirty="0"/>
-              <a:t> care au </a:t>
-            </a:r>
-            <a:r>
-              <a:rPr lang="en-US" sz="1200" dirty="0" err="1"/>
-              <a:t>fost</a:t>
-            </a:r>
-            <a:r>
-              <a:rPr lang="en-US" sz="1200" dirty="0"/>
-              <a:t> </a:t>
-            </a:r>
-            <a:r>
-              <a:rPr lang="en-US" sz="1200" dirty="0" err="1"/>
-              <a:t>scrise</a:t>
+              <a:rPr lang="en-US" sz="1200" dirty="0"/>
+              <a:t>Se </a:t>
+            </a:r>
+            <a:r>
+              <a:rPr lang="en-US" sz="1200" dirty="0" err="1"/>
+              <a:t>grupează</a:t>
             </a:r>
             <a:r>
               <a:rPr lang="en-US" sz="1200" dirty="0"/>
@@ -11348,7 +10934,71 @@
             </a:r>
             <a:r>
               <a:rPr lang="en-US" sz="1200" dirty="0"/>
-              <a:t> (Passed/Failed/Blocked </a:t>
+              <a:t> pe </a:t>
+            </a:r>
+            <a:r>
+              <a:rPr lang="en-US" sz="1200" dirty="0" err="1"/>
+              <a:t>baza</a:t>
+            </a:r>
+            <a:r>
+              <a:rPr lang="en-US" sz="1200" dirty="0"/>
+              <a:t> </a:t>
+            </a:r>
+            <a:r>
+              <a:rPr lang="en-US" sz="1200" dirty="0" err="1"/>
+              <a:t>obiectivelor</a:t>
+            </a:r>
+            <a:r>
+              <a:rPr lang="en-US" sz="1200" dirty="0"/>
+              <a:t> lor (</a:t>
+            </a:r>
+            <a:r>
+              <a:rPr lang="en-US" sz="1200" dirty="0" err="1"/>
+              <a:t>testare</a:t>
+            </a:r>
+            <a:r>
+              <a:rPr lang="en-US" sz="1200" dirty="0"/>
+              <a:t> </a:t>
+            </a:r>
+            <a:r>
+              <a:rPr lang="en-US" sz="1200" dirty="0" err="1"/>
+              <a:t>funcțională</a:t>
+            </a:r>
+            <a:r>
+              <a:rPr lang="en-US" sz="1200" dirty="0"/>
+              <a:t>, </a:t>
+            </a:r>
+            <a:r>
+              <a:rPr lang="en-US" sz="1200" dirty="0" err="1"/>
+              <a:t>testare</a:t>
+            </a:r>
+            <a:r>
+              <a:rPr lang="en-US" sz="1200" dirty="0"/>
+              <a:t> de </a:t>
+            </a:r>
+            <a:r>
+              <a:rPr lang="en-US" sz="1200" dirty="0" err="1"/>
+              <a:t>regresie</a:t>
+            </a:r>
+            <a:r>
+              <a:rPr lang="en-US" sz="1200" dirty="0"/>
+              <a:t>, </a:t>
+            </a:r>
+            <a:r>
+              <a:rPr lang="en-US" sz="1200" dirty="0" err="1"/>
+              <a:t>testare</a:t>
+            </a:r>
+            <a:r>
+              <a:rPr lang="en-US" sz="1200" dirty="0"/>
+              <a:t> de </a:t>
+            </a:r>
+            <a:r>
+              <a:rPr lang="en-US" sz="1200" dirty="0" err="1"/>
+              <a:t>acceptanță</a:t>
+            </a:r>
+            <a:r>
+              <a:rPr lang="en-US" sz="1200" dirty="0"/>
+              <a:t> </a:t>
             </a:r>
             <a:r>
               <a:rPr lang="en-US" sz="1200" dirty="0" err="1"/>
@@ -11356,93 +11006,178 @@
             </a:r>
             <a:r>
               <a:rPr lang="en-US" sz="1200" dirty="0"/>
-              <a:t>);</a:t>
-            </a:r>
-          </a:p>
-          <a:p>
-            <a:pPr marL="342900" indent="-342900">
+              <a:t>)</a:t>
+            </a:r>
+          </a:p>
+          <a:p>
+            <a:pPr marL="342900" indent="-342900" algn="just">
               <a:buFont typeface="Wingdings" panose="05000000000000000000" pitchFamily="2" charset="2"/>
               <a:buChar char="§"/>
             </a:pPr>
             <a:r>
               <a:rPr lang="en-US" sz="1200" dirty="0"/>
-              <a:t> bug-urile / </a:t>
-            </a:r>
-            <a:r>
-              <a:rPr lang="en-US" sz="1200" dirty="0" err="1"/>
-              <a:t>Defectele</a:t>
-            </a:r>
-            <a:r>
-              <a:rPr lang="en-US" sz="1200" dirty="0"/>
-              <a:t> / Fault-urile ,sunt </a:t>
-            </a:r>
-            <a:r>
-              <a:rPr lang="en-US" sz="1200" dirty="0" err="1"/>
-              <a:t>raportate</a:t>
-            </a:r>
-            <a:r>
-              <a:rPr lang="en-US" sz="1200" dirty="0"/>
-              <a:t> </a:t>
-            </a:r>
-            <a:r>
-              <a:rPr lang="en-US" sz="1200" dirty="0" err="1"/>
-              <a:t>atunci</a:t>
-            </a:r>
-            <a:r>
-              <a:rPr lang="en-US" sz="1200" dirty="0"/>
-              <a:t> </a:t>
-            </a:r>
-            <a:r>
-              <a:rPr lang="en-US" sz="1200" dirty="0" err="1"/>
-              <a:t>când</a:t>
-            </a:r>
-            <a:r>
-              <a:rPr lang="en-US" sz="1200" dirty="0"/>
-              <a:t> </a:t>
-            </a:r>
-            <a:r>
-              <a:rPr lang="en-US" sz="1200" dirty="0" err="1"/>
-              <a:t>rezultatele</a:t>
-            </a:r>
-            <a:r>
-              <a:rPr lang="en-US" sz="1200" dirty="0"/>
-              <a:t> </a:t>
-            </a:r>
-            <a:r>
-              <a:rPr lang="en-US" sz="1200" dirty="0" err="1"/>
-              <a:t>așteptate</a:t>
-            </a:r>
-            <a:r>
-              <a:rPr lang="en-US" sz="1200" dirty="0"/>
-              <a:t> nu </a:t>
-            </a:r>
-            <a:r>
-              <a:rPr lang="en-US" sz="1200" dirty="0" err="1"/>
-              <a:t>coincid</a:t>
-            </a:r>
-            <a:r>
-              <a:rPr lang="en-US" sz="1200" dirty="0"/>
-              <a:t> cu </a:t>
-            </a:r>
-            <a:r>
-              <a:rPr lang="en-US" sz="1200" dirty="0" err="1"/>
-              <a:t>rezultatele</a:t>
-            </a:r>
-            <a:r>
-              <a:rPr lang="en-US" sz="1200" dirty="0"/>
-              <a:t> </a:t>
-            </a:r>
-            <a:r>
-              <a:rPr lang="en-US" sz="1200" dirty="0" err="1"/>
-              <a:t>actuale</a:t>
-            </a:r>
-            <a:r>
-              <a:rPr lang="en-US" sz="1200" dirty="0"/>
-              <a:t>;</a:t>
-            </a:r>
-          </a:p>
-          <a:p>
-            <a:pPr marL="342900" indent="-342900">
+              <a:t> Ne </a:t>
+            </a:r>
+            <a:r>
+              <a:rPr lang="en-US" sz="1200" dirty="0" err="1"/>
+              <a:t>asigurăm</a:t>
+            </a:r>
+            <a:r>
+              <a:rPr lang="en-US" sz="1200" dirty="0"/>
+              <a:t> </a:t>
+            </a:r>
+            <a:r>
+              <a:rPr lang="en-US" sz="1200" dirty="0" err="1"/>
+              <a:t>că</a:t>
+            </a:r>
+            <a:r>
+              <a:rPr lang="en-US" sz="1200" dirty="0"/>
+              <a:t> </a:t>
+            </a:r>
+            <a:r>
+              <a:rPr lang="en-US" sz="1200" dirty="0" err="1"/>
+              <a:t>avem</a:t>
+            </a:r>
+            <a:r>
+              <a:rPr lang="en-US" sz="1200" dirty="0"/>
+              <a:t> tot </a:t>
+            </a:r>
+            <a:r>
+              <a:rPr lang="en-US" sz="1200" dirty="0" err="1"/>
+              <a:t>ce</a:t>
+            </a:r>
+            <a:r>
+              <a:rPr lang="en-US" sz="1200" dirty="0"/>
+              <a:t> ne </a:t>
+            </a:r>
+            <a:r>
+              <a:rPr lang="en-US" sz="1200" dirty="0" err="1"/>
+              <a:t>trebuie</a:t>
+            </a:r>
+            <a:r>
+              <a:rPr lang="en-US" sz="1200" dirty="0"/>
+              <a:t> </a:t>
+            </a:r>
+            <a:r>
+              <a:rPr lang="en-US" sz="1200" dirty="0" err="1"/>
+              <a:t>pentru</a:t>
+            </a:r>
+            <a:r>
+              <a:rPr lang="en-US" sz="1200" dirty="0"/>
+              <a:t> a </a:t>
+            </a:r>
+            <a:r>
+              <a:rPr lang="en-US" sz="1200" dirty="0" err="1"/>
+              <a:t>începe</a:t>
+            </a:r>
+            <a:r>
+              <a:rPr lang="en-US" sz="1200" dirty="0"/>
+              <a:t> </a:t>
+            </a:r>
+            <a:r>
+              <a:rPr lang="en-US" sz="1200" dirty="0" err="1"/>
+              <a:t>testarea</a:t>
+            </a:r>
+            <a:r>
+              <a:rPr lang="en-US" sz="1200" dirty="0"/>
+              <a:t> </a:t>
+            </a:r>
+            <a:r>
+              <a:rPr lang="en-US" sz="1200" dirty="0" err="1"/>
+              <a:t>propriu-zisă</a:t>
+            </a:r>
+            <a:r>
+              <a:rPr lang="en-US" sz="1200" dirty="0"/>
+              <a:t> (</a:t>
+            </a:r>
+            <a:r>
+              <a:rPr lang="en-US" sz="1200" dirty="0" err="1"/>
+              <a:t>mediu</a:t>
+            </a:r>
+            <a:r>
+              <a:rPr lang="en-US" sz="1200" dirty="0"/>
+              <a:t> de </a:t>
+            </a:r>
+            <a:r>
+              <a:rPr lang="en-US" sz="1200" dirty="0" err="1"/>
+              <a:t>testare</a:t>
+            </a:r>
+            <a:r>
+              <a:rPr lang="en-US" sz="1200" dirty="0"/>
+              <a:t>, </a:t>
+            </a:r>
+            <a:r>
+              <a:rPr lang="en-US" sz="1200" dirty="0" err="1"/>
+              <a:t>permisiuni</a:t>
+            </a:r>
+            <a:r>
+              <a:rPr lang="en-US" sz="1200" dirty="0"/>
+              <a:t>, date de </a:t>
+            </a:r>
+            <a:r>
+              <a:rPr lang="en-US" sz="1200" dirty="0" err="1"/>
+              <a:t>testare</a:t>
+            </a:r>
+            <a:r>
+              <a:rPr lang="en-US" sz="1200" dirty="0"/>
+              <a:t>, </a:t>
+            </a:r>
+            <a:r>
+              <a:rPr lang="en-US" sz="1200" dirty="0" err="1"/>
+              <a:t>documentație</a:t>
+            </a:r>
+            <a:r>
+              <a:rPr lang="en-US" sz="1200" dirty="0"/>
+              <a:t> </a:t>
+            </a:r>
+            <a:r>
+              <a:rPr lang="en-US" sz="1200" dirty="0" err="1"/>
+              <a:t>etc</a:t>
+            </a:r>
+            <a:r>
+              <a:rPr lang="en-US" sz="1200" dirty="0"/>
+              <a:t>)</a:t>
+            </a:r>
+          </a:p>
+          <a:p>
+            <a:pPr algn="just"/>
+            <a:endParaRPr lang="en-US" sz="1400" b="1" u="sng" dirty="0"/>
+          </a:p>
+          <a:p>
+            <a:pPr marL="342900" indent="-342900" algn="just">
+              <a:buFont typeface="Wingdings" panose="05000000000000000000" pitchFamily="2" charset="2"/>
+              <a:buChar char="Ø"/>
+            </a:pPr>
+            <a:r>
+              <a:rPr lang="en-US" sz="1200" b="1" u="sng" dirty="0" err="1"/>
+              <a:t>etapa</a:t>
+            </a:r>
+            <a:r>
+              <a:rPr lang="en-US" sz="1200" b="1" u="sng" dirty="0"/>
+              <a:t> de </a:t>
+            </a:r>
+            <a:r>
+              <a:rPr lang="en-US" sz="1200" b="1" u="sng" dirty="0" err="1"/>
+              <a:t>executie</a:t>
+            </a:r>
+            <a:r>
+              <a:rPr lang="en-US" sz="1200" b="1" u="sng" dirty="0"/>
+              <a:t> </a:t>
+            </a:r>
+            <a:r>
+              <a:rPr lang="en-US" sz="1200" dirty="0"/>
+              <a:t>: </a:t>
+            </a:r>
+          </a:p>
+          <a:p>
+            <a:pPr marL="342900" indent="-342900" algn="just">
+              <a:buFont typeface="Wingdings" panose="05000000000000000000" pitchFamily="2" charset="2"/>
+              <a:buChar char="Ø"/>
+            </a:pPr>
+            <a:endParaRPr lang="en-US" sz="1200" dirty="0"/>
+          </a:p>
+          <a:p>
+            <a:pPr marL="342900" indent="-342900" algn="just">
               <a:buFont typeface="Wingdings" panose="05000000000000000000" pitchFamily="2" charset="2"/>
               <a:buChar char="§"/>
             </a:pPr>
@@ -11452,6 +11187,214 @@
             </a:r>
             <a:r>
               <a:rPr lang="en-US" sz="1200" dirty="0" err="1"/>
+              <a:t>cazurile</a:t>
+            </a:r>
+            <a:r>
+              <a:rPr lang="en-US" sz="1200" dirty="0"/>
+              <a:t> de </a:t>
+            </a:r>
+            <a:r>
+              <a:rPr lang="en-US" sz="1200" dirty="0" err="1"/>
+              <a:t>testare</a:t>
+            </a:r>
+            <a:r>
+              <a:rPr lang="en-US" sz="1200" dirty="0"/>
+              <a:t> sunt </a:t>
+            </a:r>
+            <a:r>
+              <a:rPr lang="en-US" sz="1200" dirty="0" err="1"/>
+              <a:t>executate</a:t>
+            </a:r>
+            <a:r>
+              <a:rPr lang="en-US" sz="1200" dirty="0"/>
+              <a:t> (</a:t>
+            </a:r>
+            <a:r>
+              <a:rPr lang="en-US" sz="1200" dirty="0" err="1"/>
+              <a:t>adică</a:t>
+            </a:r>
+            <a:r>
+              <a:rPr lang="en-US" sz="1200" dirty="0"/>
+              <a:t> </a:t>
+            </a:r>
+            <a:r>
+              <a:rPr lang="en-US" sz="1200" dirty="0" err="1"/>
+              <a:t>verificam</a:t>
+            </a:r>
+            <a:r>
+              <a:rPr lang="en-US" sz="1200" dirty="0"/>
+              <a:t> </a:t>
+            </a:r>
+            <a:r>
+              <a:rPr lang="en-US" sz="1200" dirty="0" err="1"/>
+              <a:t>comportamentul</a:t>
+            </a:r>
+            <a:r>
+              <a:rPr lang="en-US" sz="1200" dirty="0"/>
+              <a:t> </a:t>
+            </a:r>
+            <a:r>
+              <a:rPr lang="en-US" sz="1200" dirty="0" err="1"/>
+              <a:t>produsului</a:t>
+            </a:r>
+            <a:r>
+              <a:rPr lang="en-US" sz="1200" dirty="0"/>
+              <a:t> software pe </a:t>
+            </a:r>
+            <a:r>
+              <a:rPr lang="en-US" sz="1200" dirty="0" err="1"/>
+              <a:t>baza</a:t>
+            </a:r>
+            <a:r>
+              <a:rPr lang="en-US" sz="1200" dirty="0"/>
+              <a:t> </a:t>
+            </a:r>
+            <a:r>
+              <a:rPr lang="en-US" sz="1200" dirty="0" err="1"/>
+              <a:t>instrucțiunilor</a:t>
+            </a:r>
+            <a:r>
+              <a:rPr lang="en-US" sz="1200" dirty="0"/>
+              <a:t> </a:t>
+            </a:r>
+            <a:r>
+              <a:rPr lang="en-US" sz="1200" dirty="0" err="1"/>
+              <a:t>scrise</a:t>
+            </a:r>
+            <a:r>
+              <a:rPr lang="en-US" sz="1200" dirty="0"/>
+              <a:t> </a:t>
+            </a:r>
+            <a:r>
+              <a:rPr lang="en-US" sz="1200" dirty="0" err="1"/>
+              <a:t>în</a:t>
+            </a:r>
+            <a:r>
+              <a:rPr lang="en-US" sz="1200" dirty="0"/>
+              <a:t> </a:t>
+            </a:r>
+            <a:r>
+              <a:rPr lang="en-US" sz="1200" dirty="0" err="1"/>
+              <a:t>cazurile</a:t>
+            </a:r>
+            <a:r>
+              <a:rPr lang="en-US" sz="1200" dirty="0"/>
+              <a:t> de </a:t>
+            </a:r>
+            <a:r>
+              <a:rPr lang="en-US" sz="1200" dirty="0" err="1"/>
+              <a:t>testare</a:t>
+            </a:r>
+            <a:r>
+              <a:rPr lang="en-US" sz="1200" dirty="0"/>
+              <a:t>); </a:t>
+            </a:r>
+          </a:p>
+          <a:p>
+            <a:pPr marL="342900" indent="-342900" algn="just">
+              <a:buFont typeface="Wingdings" panose="05000000000000000000" pitchFamily="2" charset="2"/>
+              <a:buChar char="§"/>
+            </a:pPr>
+            <a:r>
+              <a:rPr lang="en-US" sz="1200" dirty="0" err="1"/>
+              <a:t>rezultatele</a:t>
+            </a:r>
+            <a:r>
+              <a:rPr lang="en-US" sz="1200" dirty="0"/>
+              <a:t> sunt </a:t>
+            </a:r>
+            <a:r>
+              <a:rPr lang="en-US" sz="1200" dirty="0" err="1"/>
+              <a:t>raportate</a:t>
+            </a:r>
+            <a:r>
+              <a:rPr lang="en-US" sz="1200" dirty="0"/>
+              <a:t> </a:t>
+            </a:r>
+            <a:r>
+              <a:rPr lang="en-US" sz="1200" dirty="0" err="1"/>
+              <a:t>în</a:t>
+            </a:r>
+            <a:r>
+              <a:rPr lang="en-US" sz="1200" dirty="0"/>
+              <a:t> tool-</a:t>
+            </a:r>
+            <a:r>
+              <a:rPr lang="en-US" sz="1200" dirty="0" err="1"/>
+              <a:t>ul</a:t>
+            </a:r>
+            <a:r>
+              <a:rPr lang="en-US" sz="1200" dirty="0"/>
+              <a:t> </a:t>
+            </a:r>
+            <a:r>
+              <a:rPr lang="en-US" sz="1200" dirty="0" err="1"/>
+              <a:t>în</a:t>
+            </a:r>
+            <a:r>
+              <a:rPr lang="en-US" sz="1200" dirty="0"/>
+              <a:t> care au </a:t>
+            </a:r>
+            <a:r>
+              <a:rPr lang="en-US" sz="1200" dirty="0" err="1"/>
+              <a:t>fost</a:t>
+            </a:r>
+            <a:r>
+              <a:rPr lang="en-US" sz="1200" dirty="0"/>
+              <a:t> </a:t>
+            </a:r>
+            <a:r>
+              <a:rPr lang="en-US" sz="1200" dirty="0" err="1"/>
+              <a:t>scrise</a:t>
+            </a:r>
+            <a:r>
+              <a:rPr lang="en-US" sz="1200" dirty="0"/>
+              <a:t> </a:t>
+            </a:r>
+            <a:r>
+              <a:rPr lang="en-US" sz="1200" dirty="0" err="1"/>
+              <a:t>testele</a:t>
+            </a:r>
+            <a:r>
+              <a:rPr lang="en-US" sz="1200" dirty="0"/>
+              <a:t> (Passed/Failed/Blocked </a:t>
+            </a:r>
+            <a:r>
+              <a:rPr lang="en-US" sz="1200" dirty="0" err="1"/>
+              <a:t>etc</a:t>
+            </a:r>
+            <a:r>
+              <a:rPr lang="en-US" sz="1200" dirty="0"/>
+              <a:t>);</a:t>
+            </a:r>
+          </a:p>
+          <a:p>
+            <a:pPr marL="342900" indent="-342900" algn="just">
+              <a:buFont typeface="Wingdings" panose="05000000000000000000" pitchFamily="2" charset="2"/>
+              <a:buChar char="§"/>
+            </a:pPr>
+            <a:r>
+              <a:rPr lang="en-US" sz="1200" dirty="0"/>
+              <a:t> bug-urile / </a:t>
+            </a:r>
+            <a:r>
+              <a:rPr lang="en-US" sz="1200" dirty="0" err="1"/>
+              <a:t>Defectele</a:t>
+            </a:r>
+            <a:r>
+              <a:rPr lang="en-US" sz="1200" dirty="0"/>
+              <a:t> / Fault-urile ,sunt </a:t>
+            </a:r>
+            <a:r>
+              <a:rPr lang="en-US" sz="1200" dirty="0" err="1"/>
+              <a:t>raportate</a:t>
+            </a:r>
+            <a:r>
+              <a:rPr lang="en-US" sz="1200" dirty="0"/>
+              <a:t> </a:t>
+            </a:r>
+            <a:r>
+              <a:rPr lang="en-US" sz="1200" dirty="0" err="1"/>
               <a:t>atunci</a:t>
             </a:r>
             <a:r>
@@ -11464,6 +11407,72 @@
             </a:r>
             <a:r>
               <a:rPr lang="en-US" sz="1200" dirty="0"/>
+              <a:t> </a:t>
+            </a:r>
+            <a:r>
+              <a:rPr lang="en-US" sz="1200" dirty="0" err="1"/>
+              <a:t>rezultatele</a:t>
+            </a:r>
+            <a:r>
+              <a:rPr lang="en-US" sz="1200" dirty="0"/>
+              <a:t> </a:t>
+            </a:r>
+            <a:r>
+              <a:rPr lang="en-US" sz="1200" dirty="0" err="1"/>
+              <a:t>așteptate</a:t>
+            </a:r>
+            <a:r>
+              <a:rPr lang="en-US" sz="1200" dirty="0"/>
+              <a:t> nu </a:t>
+            </a:r>
+            <a:r>
+              <a:rPr lang="en-US" sz="1200" dirty="0" err="1"/>
+              <a:t>coincid</a:t>
+            </a:r>
+            <a:r>
+              <a:rPr lang="en-US" sz="1200" dirty="0"/>
+              <a:t> cu </a:t>
+            </a:r>
+            <a:r>
+              <a:rPr lang="en-US" sz="1200" dirty="0" err="1"/>
+              <a:t>rezultatele</a:t>
+            </a:r>
+            <a:r>
+              <a:rPr lang="en-US" sz="1200" dirty="0"/>
+              <a:t> </a:t>
+            </a:r>
+            <a:r>
+              <a:rPr lang="en-US" sz="1200" dirty="0" err="1"/>
+              <a:t>actuale</a:t>
+            </a:r>
+            <a:r>
+              <a:rPr lang="en-US" sz="1200" dirty="0"/>
+              <a:t>;</a:t>
+            </a:r>
+          </a:p>
+          <a:p>
+            <a:pPr marL="342900" indent="-342900" algn="just">
+              <a:buFont typeface="Wingdings" panose="05000000000000000000" pitchFamily="2" charset="2"/>
+              <a:buChar char="§"/>
+            </a:pPr>
+            <a:r>
+              <a:rPr lang="en-US" sz="1200" dirty="0"/>
+              <a:t> </a:t>
+            </a:r>
+            <a:r>
+              <a:rPr lang="en-US" sz="1200" dirty="0" err="1"/>
+              <a:t>atunci</a:t>
+            </a:r>
+            <a:r>
+              <a:rPr lang="en-US" sz="1200" dirty="0"/>
+              <a:t> </a:t>
+            </a:r>
+            <a:r>
+              <a:rPr lang="en-US" sz="1200" dirty="0" err="1"/>
+              <a:t>când</a:t>
+            </a:r>
+            <a:r>
+              <a:rPr lang="en-US" sz="1200" dirty="0"/>
               <a:t> bug-urile sunt fixate, se face </a:t>
             </a:r>
             <a:r>
@@ -11516,7 +11525,7 @@
             </a:r>
           </a:p>
           <a:p>
-            <a:pPr marL="342900" indent="-342900">
+            <a:pPr marL="342900" indent="-342900" algn="just">
               <a:buFont typeface="Wingdings" panose="05000000000000000000" pitchFamily="2" charset="2"/>
               <a:buChar char="§"/>
             </a:pPr>
@@ -11804,11 +11813,11 @@
           </a:bodyPr>
           <a:lstStyle/>
           <a:p>
-            <a:pPr lvl="1"/>
+            <a:pPr lvl="1" algn="just"/>
             <a:endParaRPr lang="en-US" sz="1200" dirty="0"/>
           </a:p>
           <a:p>
-            <a:pPr marL="742950" lvl="1" indent="-285750">
+            <a:pPr marL="742950" lvl="1" indent="-285750" algn="just">
               <a:buFont typeface="Wingdings" panose="05000000000000000000" pitchFamily="2" charset="2"/>
               <a:buChar char="Ø"/>
             </a:pPr>
@@ -11834,14 +11843,14 @@
             </a:r>
           </a:p>
           <a:p>
-            <a:pPr marL="742950" lvl="1" indent="-285750">
+            <a:pPr marL="742950" lvl="1" indent="-285750" algn="just">
               <a:buFont typeface="Wingdings" panose="05000000000000000000" pitchFamily="2" charset="2"/>
               <a:buChar char="Ø"/>
             </a:pPr>
             <a:endParaRPr lang="en-US" sz="1200" dirty="0"/>
           </a:p>
           <a:p>
-            <a:pPr marL="342900" indent="-342900">
+            <a:pPr marL="342900" indent="-342900" algn="just">
               <a:buFont typeface="Wingdings" panose="05000000000000000000" pitchFamily="2" charset="2"/>
               <a:buChar char="§"/>
             </a:pPr>
@@ -11955,7 +11964,7 @@
             </a:r>
           </a:p>
           <a:p>
-            <a:pPr marL="342900" indent="-342900">
+            <a:pPr marL="342900" indent="-342900" algn="just">
               <a:buFont typeface="Wingdings" panose="05000000000000000000" pitchFamily="2" charset="2"/>
               <a:buChar char="§"/>
             </a:pPr>
@@ -12029,7 +12038,7 @@
             </a:r>
           </a:p>
           <a:p>
-            <a:pPr marL="342900" indent="-342900">
+            <a:pPr marL="342900" indent="-342900" algn="just">
               <a:buFont typeface="Wingdings" panose="05000000000000000000" pitchFamily="2" charset="2"/>
               <a:buChar char="§"/>
             </a:pPr>
@@ -12071,7 +12080,7 @@
             </a:r>
           </a:p>
           <a:p>
-            <a:pPr marL="342900" indent="-342900">
+            <a:pPr marL="342900" indent="-342900" algn="just">
               <a:buFont typeface="Wingdings" panose="05000000000000000000" pitchFamily="2" charset="2"/>
               <a:buChar char="§"/>
             </a:pPr>
@@ -12113,7 +12122,7 @@
             </a:r>
           </a:p>
           <a:p>
-            <a:pPr marL="342900" indent="-342900">
+            <a:pPr marL="342900" indent="-342900" algn="just">
               <a:buFont typeface="Wingdings" panose="05000000000000000000" pitchFamily="2" charset="2"/>
               <a:buChar char="§"/>
             </a:pPr>
@@ -12187,10 +12196,11 @@
             </a:r>
           </a:p>
           <a:p>
+            <a:pPr algn="just"/>
             <a:endParaRPr lang="en-US" sz="1200" dirty="0"/>
           </a:p>
           <a:p>
-            <a:pPr marL="342900" indent="-342900">
+            <a:pPr marL="342900" indent="-342900" algn="just">
               <a:buFont typeface="Wingdings" panose="05000000000000000000" pitchFamily="2" charset="2"/>
               <a:buChar char="Ø"/>
             </a:pPr>
@@ -12416,13 +12426,14 @@
             </a:r>
           </a:p>
           <a:p>
-            <a:pPr marL="342900" indent="-342900">
+            <a:pPr marL="342900" indent="-342900" algn="just">
               <a:buFont typeface="Wingdings" panose="05000000000000000000" pitchFamily="2" charset="2"/>
               <a:buChar char="Ø"/>
             </a:pPr>
             <a:endParaRPr lang="en-US" sz="1200" dirty="0"/>
           </a:p>
           <a:p>
+            <a:pPr algn="just"/>
             <a:r>
               <a:rPr lang="en-US" sz="1200" b="1" dirty="0"/>
               <a:t>4. </a:t>
@@ -12469,6 +12480,7 @@
             </a:r>
           </a:p>
           <a:p>
+            <a:pPr algn="just"/>
             <a:r>
               <a:rPr lang="en-US" sz="1200" b="1" dirty="0"/>
               <a:t>Retesting</a:t>
@@ -12691,9 +12703,11 @@
             </a:r>
           </a:p>
           <a:p>
+            <a:pPr algn="just"/>
             <a:endParaRPr lang="en-US" sz="1800" dirty="0"/>
           </a:p>
           <a:p>
+            <a:pPr algn="just"/>
             <a:r>
               <a:rPr lang="en-US" sz="1200" b="1" dirty="0"/>
               <a:t>5. </a:t>
@@ -12732,25 +12746,29 @@
             </a:r>
           </a:p>
           <a:p>
-            <a:pPr marL="342900" indent="-342900">
+            <a:pPr marL="342900" indent="-342900" algn="just">
               <a:buFont typeface="Wingdings" panose="05000000000000000000" pitchFamily="2" charset="2"/>
               <a:buChar char="§"/>
             </a:pPr>
             <a:r>
-              <a:rPr lang="en-US" sz="1200" dirty="0" err="1"/>
+              <a:rPr lang="en-US" sz="1200" u="sng" dirty="0" err="1"/>
               <a:t>Testare</a:t>
             </a:r>
             <a:r>
-              <a:rPr lang="en-US" sz="1200" dirty="0"/>
-              <a:t> </a:t>
-            </a:r>
-            <a:r>
-              <a:rPr lang="en-US" sz="1200" dirty="0" err="1"/>
+              <a:rPr lang="en-US" sz="1200" u="sng" dirty="0"/>
+              <a:t> </a:t>
+            </a:r>
+            <a:r>
+              <a:rPr lang="en-US" sz="1200" u="sng" dirty="0" err="1"/>
               <a:t>funcțională</a:t>
             </a:r>
             <a:r>
-              <a:rPr lang="en-US" sz="1200" dirty="0"/>
-              <a:t> : </a:t>
+              <a:rPr lang="en-US" sz="1200" u="sng" dirty="0"/>
+              <a:t> </a:t>
+            </a:r>
+            <a:r>
+              <a:rPr lang="en-US" sz="1200" dirty="0"/>
+              <a:t>: </a:t>
             </a:r>
             <a:r>
               <a:rPr lang="en-US" sz="1200" dirty="0" err="1"/>
@@ -12882,25 +12900,29 @@
             </a:r>
           </a:p>
           <a:p>
-            <a:pPr marL="342900" indent="-342900">
+            <a:pPr marL="342900" indent="-342900" algn="just">
               <a:buFont typeface="Wingdings" panose="05000000000000000000" pitchFamily="2" charset="2"/>
               <a:buChar char="§"/>
             </a:pPr>
             <a:r>
-              <a:rPr lang="en-US" sz="1200" dirty="0" err="1"/>
+              <a:rPr lang="en-US" sz="1200" u="sng" dirty="0" err="1"/>
               <a:t>Testarea</a:t>
             </a:r>
             <a:r>
-              <a:rPr lang="en-US" sz="1200" dirty="0"/>
+              <a:rPr lang="en-US" sz="1200" u="sng" dirty="0"/>
               <a:t> non-</a:t>
             </a:r>
             <a:r>
-              <a:rPr lang="en-US" sz="1200" dirty="0" err="1"/>
+              <a:rPr lang="en-US" sz="1200" u="sng" dirty="0" err="1"/>
               <a:t>funcțională</a:t>
             </a:r>
             <a:r>
-              <a:rPr lang="en-US" sz="1200" dirty="0"/>
-              <a:t> – </a:t>
+              <a:rPr lang="en-US" sz="1200" u="sng" dirty="0"/>
+              <a:t> </a:t>
+            </a:r>
+            <a:r>
+              <a:rPr lang="en-US" sz="1200" dirty="0"/>
+              <a:t>– </a:t>
             </a:r>
             <a:r>
               <a:rPr lang="en-US" sz="1200" dirty="0" err="1"/>
@@ -13029,9 +13051,11 @@
             <a:endParaRPr lang="en-US" sz="1200" dirty="0"/>
           </a:p>
           <a:p>
+            <a:pPr algn="just"/>
             <a:endParaRPr lang="en-US" dirty="0"/>
           </a:p>
           <a:p>
+            <a:pPr algn="just"/>
             <a:r>
               <a:rPr lang="en-US" sz="1200" b="1" dirty="0"/>
               <a:t>6. </a:t>
@@ -13090,6 +13114,7 @@
             </a:r>
           </a:p>
           <a:p>
+            <a:pPr algn="just"/>
             <a:r>
               <a:rPr lang="en-US" sz="1200" i="1" u="sng" dirty="0"/>
               <a:t>Blackbox t</a:t>
@@ -13172,6 +13197,7 @@
             </a:r>
           </a:p>
           <a:p>
+            <a:pPr algn="just"/>
             <a:endParaRPr lang="en-US" dirty="0"/>
           </a:p>
           <a:p>
@@ -13230,7 +13256,7 @@
         <p:spPr>
           <a:xfrm>
             <a:off x="642797" y="425513"/>
-            <a:ext cx="9795432" cy="7522439"/>
+            <a:ext cx="9795432" cy="7201972"/>
           </a:xfrm>
           <a:prstGeom prst="rect">
             <a:avLst/>
@@ -13246,6 +13272,7 @@
             <a:endParaRPr lang="en-US" sz="1200" dirty="0"/>
           </a:p>
           <a:p>
+            <a:pPr algn="just"/>
             <a:r>
               <a:rPr lang="en-US" sz="1200" b="1" dirty="0"/>
               <a:t>7. </a:t>
@@ -13308,7 +13335,7 @@
             </a:r>
           </a:p>
           <a:p>
-            <a:pPr marL="342900" indent="-342900">
+            <a:pPr marL="342900" indent="-342900" algn="just">
               <a:buFont typeface="Wingdings" panose="05000000000000000000" pitchFamily="2" charset="2"/>
               <a:buChar char="Ø"/>
             </a:pPr>
@@ -13334,7 +13361,7 @@
             </a:r>
           </a:p>
           <a:p>
-            <a:pPr marL="342900" indent="-342900">
+            <a:pPr marL="342900" indent="-342900" algn="just">
               <a:buFont typeface="Wingdings" panose="05000000000000000000" pitchFamily="2" charset="2"/>
               <a:buChar char="§"/>
             </a:pPr>
@@ -13343,20 +13370,24 @@
               <a:t>    -</a:t>
             </a:r>
             <a:r>
-              <a:rPr lang="en-US" sz="1200" dirty="0" err="1"/>
+              <a:rPr lang="en-US" sz="1200" i="1" dirty="0" err="1"/>
               <a:t>testare</a:t>
             </a:r>
             <a:r>
-              <a:rPr lang="en-US" sz="1200" dirty="0"/>
-              <a:t> </a:t>
-            </a:r>
-            <a:r>
-              <a:rPr lang="en-US" sz="1200" dirty="0" err="1"/>
+              <a:rPr lang="en-US" sz="1200" i="1" dirty="0"/>
+              <a:t> </a:t>
+            </a:r>
+            <a:r>
+              <a:rPr lang="en-US" sz="1200" i="1" dirty="0" err="1"/>
               <a:t>statica</a:t>
             </a:r>
             <a:r>
-              <a:rPr lang="en-US" sz="1200" dirty="0"/>
-              <a:t> (</a:t>
+              <a:rPr lang="en-US" sz="1200" i="1" dirty="0"/>
+              <a:t> </a:t>
+            </a:r>
+            <a:r>
+              <a:rPr lang="en-US" sz="1200" dirty="0"/>
+              <a:t>(</a:t>
             </a:r>
             <a:r>
               <a:rPr lang="en-US" sz="1200" dirty="0" err="1"/>
@@ -13416,7 +13447,7 @@
             </a:r>
           </a:p>
           <a:p>
-            <a:pPr marL="342900" indent="-342900">
+            <a:pPr marL="342900" indent="-342900" algn="just">
               <a:buFont typeface="Wingdings" panose="05000000000000000000" pitchFamily="2" charset="2"/>
               <a:buChar char="§"/>
             </a:pPr>
@@ -13425,30 +13456,34 @@
               <a:t>    -</a:t>
             </a:r>
             <a:r>
-              <a:rPr lang="en-US" sz="1200" dirty="0" err="1"/>
+              <a:rPr lang="en-US" sz="1200" i="1" dirty="0" err="1"/>
               <a:t>testare</a:t>
             </a:r>
             <a:r>
-              <a:rPr lang="en-US" sz="1200" dirty="0"/>
-              <a:t> </a:t>
-            </a:r>
-            <a:r>
-              <a:rPr lang="en-US" sz="1200" dirty="0" err="1"/>
+              <a:rPr lang="en-US" sz="1200" i="1" dirty="0"/>
+              <a:t> </a:t>
+            </a:r>
+            <a:r>
+              <a:rPr lang="en-US" sz="1200" i="1" dirty="0" err="1"/>
               <a:t>dinamica</a:t>
             </a:r>
             <a:r>
-              <a:rPr lang="en-US" sz="1200" dirty="0"/>
-              <a:t> </a:t>
-            </a:r>
-          </a:p>
-          <a:p>
-            <a:pPr marL="342900" indent="-342900">
+              <a:rPr lang="en-US" sz="1200" i="1" dirty="0"/>
+              <a:t> </a:t>
+            </a:r>
+            <a:r>
+              <a:rPr lang="en-US" sz="1200" dirty="0"/>
+              <a:t>:</a:t>
+            </a:r>
+          </a:p>
+          <a:p>
+            <a:pPr marL="171450" indent="-171450" algn="just">
               <a:buFont typeface="Wingdings" panose="05000000000000000000" pitchFamily="2" charset="2"/>
-              <a:buChar char="§"/>
+              <a:buChar char="ü"/>
             </a:pPr>
             <a:r>
               <a:rPr lang="en-US" sz="1200" dirty="0"/>
-              <a:t>    - </a:t>
+              <a:t>                           - </a:t>
             </a:r>
             <a:r>
               <a:rPr lang="en-US" sz="1200" dirty="0" err="1"/>
@@ -13460,13 +13495,13 @@
             </a:r>
           </a:p>
           <a:p>
-            <a:pPr marL="342900" indent="-342900">
+            <a:pPr marL="171450" indent="-171450" algn="just">
               <a:buFont typeface="Wingdings" panose="05000000000000000000" pitchFamily="2" charset="2"/>
-              <a:buChar char="§"/>
+              <a:buChar char="ü"/>
             </a:pPr>
             <a:r>
               <a:rPr lang="en-US" sz="1200" dirty="0"/>
-              <a:t>    - </a:t>
+              <a:t>                           - </a:t>
             </a:r>
             <a:r>
               <a:rPr lang="en-US" sz="1200" dirty="0" err="1"/>
@@ -13478,17 +13513,17 @@
             </a:r>
           </a:p>
           <a:p>
-            <a:pPr marL="342900" indent="-342900">
+            <a:pPr marL="171450" indent="-171450" algn="just">
               <a:buFont typeface="Wingdings" panose="05000000000000000000" pitchFamily="2" charset="2"/>
-              <a:buChar char="§"/>
+              <a:buChar char="ü"/>
             </a:pPr>
             <a:r>
               <a:rPr lang="en-US" sz="1200" dirty="0"/>
-              <a:t>    - experience based testing</a:t>
-            </a:r>
-          </a:p>
-          <a:p>
-            <a:pPr marL="342900" indent="-342900">
+              <a:t>                           - experience based testing</a:t>
+            </a:r>
+          </a:p>
+          <a:p>
+            <a:pPr marL="342900" indent="-342900" algn="just">
               <a:buFont typeface="Wingdings" panose="05000000000000000000" pitchFamily="2" charset="2"/>
               <a:buChar char="§"/>
             </a:pPr>
@@ -13534,7 +13569,7 @@
             </a:r>
           </a:p>
           <a:p>
-            <a:pPr marL="342900" indent="-342900">
+            <a:pPr marL="342900" indent="-342900" algn="just">
               <a:buFont typeface="Wingdings" panose="05000000000000000000" pitchFamily="2" charset="2"/>
               <a:buChar char="§"/>
             </a:pPr>
@@ -13620,7 +13655,7 @@
             </a:r>
           </a:p>
           <a:p>
-            <a:pPr marL="342900" indent="-342900">
+            <a:pPr marL="342900" indent="-342900" algn="just">
               <a:buFont typeface="Wingdings" panose="05000000000000000000" pitchFamily="2" charset="2"/>
               <a:buChar char="§"/>
             </a:pPr>
@@ -13778,9 +13813,11 @@
             </a:r>
           </a:p>
           <a:p>
+            <a:pPr algn="just"/>
             <a:endParaRPr lang="en-US" sz="1200" dirty="0"/>
           </a:p>
           <a:p>
+            <a:pPr algn="just"/>
             <a:r>
               <a:rPr lang="en-US" sz="1200" b="1" dirty="0"/>
               <a:t>9. </a:t>
@@ -13851,10 +13888,11 @@
             </a:r>
           </a:p>
           <a:p>
+            <a:pPr algn="just"/>
             <a:endParaRPr lang="en-US" sz="1200" dirty="0"/>
           </a:p>
           <a:p>
-            <a:pPr marL="342900" indent="-342900">
+            <a:pPr marL="342900" indent="-342900" algn="just">
               <a:buFont typeface="Wingdings" panose="05000000000000000000" pitchFamily="2" charset="2"/>
               <a:buChar char="§"/>
             </a:pPr>
@@ -14036,7 +14074,7 @@
             </a:r>
           </a:p>
           <a:p>
-            <a:pPr marL="342900" indent="-342900">
+            <a:pPr marL="342900" indent="-342900" algn="just">
               <a:buFont typeface="Wingdings" panose="05000000000000000000" pitchFamily="2" charset="2"/>
               <a:buChar char="§"/>
             </a:pPr>
@@ -14298,13 +14336,14 @@
             </a:r>
           </a:p>
           <a:p>
-            <a:pPr marL="342900" indent="-342900">
+            <a:pPr marL="342900" indent="-342900" algn="just">
               <a:buFont typeface="Wingdings" panose="05000000000000000000" pitchFamily="2" charset="2"/>
               <a:buChar char="§"/>
             </a:pPr>
             <a:endParaRPr lang="en-US" sz="1200" dirty="0"/>
           </a:p>
           <a:p>
+            <a:pPr algn="just"/>
             <a:r>
               <a:rPr lang="en-US" sz="1200" b="1" dirty="0"/>
               <a:t>10. </a:t>
@@ -14359,7 +14398,7 @@
             </a:r>
           </a:p>
           <a:p>
-            <a:pPr marL="342900" indent="-342900">
+            <a:pPr marL="342900" indent="-342900" algn="just">
               <a:buFont typeface="Wingdings" panose="05000000000000000000" pitchFamily="2" charset="2"/>
               <a:buChar char="Ø"/>
             </a:pPr>
@@ -14381,7 +14420,7 @@
             </a:r>
           </a:p>
           <a:p>
-            <a:pPr marL="342900" indent="-342900">
+            <a:pPr marL="342900" indent="-342900" algn="just">
               <a:buFont typeface="Wingdings" panose="05000000000000000000" pitchFamily="2" charset="2"/>
               <a:buChar char="q"/>
             </a:pPr>
@@ -14495,7 +14534,7 @@
             </a:r>
           </a:p>
           <a:p>
-            <a:pPr marL="342900" indent="-342900">
+            <a:pPr marL="342900" indent="-342900" algn="just">
               <a:buFont typeface="Wingdings" panose="05000000000000000000" pitchFamily="2" charset="2"/>
               <a:buChar char="q"/>
             </a:pPr>
@@ -14573,6 +14612,7 @@
             </a:r>
           </a:p>
           <a:p>
+            <a:pPr algn="just"/>
             <a:r>
               <a:rPr lang="en-US" sz="1200" dirty="0"/>
               <a:t>                 - </a:t>
@@ -14663,6 +14703,7 @@
             </a:r>
           </a:p>
           <a:p>
+            <a:pPr algn="just"/>
             <a:r>
               <a:rPr lang="en-US" sz="1200" dirty="0"/>
               <a:t>                 - </a:t>
@@ -14761,13 +14802,13 @@
             </a:r>
           </a:p>
           <a:p>
-            <a:pPr marL="342900" indent="-342900">
+            <a:pPr marL="342900" indent="-342900" algn="just">
               <a:buFont typeface="Wingdings" panose="05000000000000000000" pitchFamily="2" charset="2"/>
               <a:buChar char="q"/>
             </a:pPr>
             <a:r>
               <a:rPr lang="en-US" sz="1200" dirty="0"/>
-              <a:t> - </a:t>
+              <a:t>    - </a:t>
             </a:r>
             <a:r>
               <a:rPr lang="en-US" sz="1200" i="1" u="sng" dirty="0" err="1"/>
@@ -14839,13 +14880,13 @@
             </a:r>
           </a:p>
           <a:p>
-            <a:pPr marL="342900" indent="-342900">
+            <a:pPr marL="342900" indent="-342900" algn="just">
               <a:buFont typeface="Wingdings" panose="05000000000000000000" pitchFamily="2" charset="2"/>
               <a:buChar char="q"/>
             </a:pPr>
             <a:r>
               <a:rPr lang="en-US" sz="1200" dirty="0"/>
-              <a:t> - </a:t>
+              <a:t>    - </a:t>
             </a:r>
             <a:r>
               <a:rPr lang="en-US" sz="1200" i="1" u="sng" dirty="0" err="1"/>
@@ -14933,7 +14974,7 @@
             </a:r>
           </a:p>
           <a:p>
-            <a:pPr marL="342900" indent="-342900">
+            <a:pPr marL="342900" indent="-342900" algn="just">
               <a:buFont typeface="Wingdings" panose="05000000000000000000" pitchFamily="2" charset="2"/>
               <a:buChar char="§"/>
             </a:pPr>
@@ -14951,109 +14992,27 @@
             </a:r>
             <a:r>
               <a:rPr lang="en-US" sz="1200" dirty="0" err="1"/>
-              <a:t>reprezintă</a:t>
-            </a:r>
-            <a:r>
-              <a:rPr lang="en-US" sz="1200" dirty="0"/>
-              <a:t> </a:t>
-            </a:r>
-            <a:r>
-              <a:rPr lang="en-US" sz="1200" dirty="0" err="1"/>
               <a:t>testarea</a:t>
             </a:r>
             <a:r>
               <a:rPr lang="en-US" sz="1200" dirty="0"/>
-              <a:t> </a:t>
-            </a:r>
-            <a:r>
-              <a:rPr lang="en-US" sz="1200" dirty="0" err="1"/>
-              <a:t>unei</a:t>
-            </a:r>
-            <a:r>
-              <a:rPr lang="en-US" sz="1200" dirty="0"/>
-              <a:t> </a:t>
-            </a:r>
-            <a:r>
-              <a:rPr lang="en-US" sz="1200" dirty="0" err="1"/>
-              <a:t>aplicații</a:t>
-            </a:r>
-            <a:r>
-              <a:rPr lang="en-US" sz="1200" dirty="0"/>
-              <a:t> </a:t>
-            </a:r>
-            <a:r>
-              <a:rPr lang="en-US" sz="1200" dirty="0" err="1"/>
-              <a:t>atunci</a:t>
-            </a:r>
-            <a:r>
-              <a:rPr lang="en-US" sz="1200" dirty="0"/>
-              <a:t> </a:t>
-            </a:r>
-            <a:r>
-              <a:rPr lang="en-US" sz="1200" dirty="0" err="1"/>
-              <a:t>când</a:t>
-            </a:r>
-            <a:r>
-              <a:rPr lang="en-US" sz="1200" dirty="0"/>
-              <a:t> </a:t>
-            </a:r>
-            <a:r>
-              <a:rPr lang="en-US" sz="1200" dirty="0" err="1"/>
-              <a:t>dezvoltarea</a:t>
-            </a:r>
-            <a:r>
-              <a:rPr lang="en-US" sz="1200" dirty="0"/>
-              <a:t> </a:t>
-            </a:r>
-            <a:r>
-              <a:rPr lang="en-US" sz="1200" dirty="0" err="1"/>
-              <a:t>este</a:t>
-            </a:r>
-            <a:r>
-              <a:rPr lang="en-US" sz="1200" dirty="0"/>
-              <a:t> </a:t>
-            </a:r>
-            <a:r>
-              <a:rPr lang="en-US" sz="1200" dirty="0" err="1"/>
-              <a:t>completă</a:t>
-            </a:r>
-            <a:r>
-              <a:rPr lang="en-US" sz="1200" dirty="0"/>
-              <a:t> </a:t>
-            </a:r>
-            <a:r>
-              <a:rPr lang="en-US" sz="1200" dirty="0" err="1"/>
-              <a:t>sau</a:t>
-            </a:r>
-            <a:r>
-              <a:rPr lang="en-US" sz="1200" dirty="0"/>
-              <a:t> </a:t>
-            </a:r>
-            <a:r>
-              <a:rPr lang="en-US" sz="1200" dirty="0" err="1"/>
-              <a:t>aproape</a:t>
-            </a:r>
-            <a:r>
-              <a:rPr lang="en-US" sz="1200" dirty="0"/>
-              <a:t> </a:t>
-            </a:r>
-            <a:r>
-              <a:rPr lang="en-US" sz="1200" dirty="0" err="1"/>
-              <a:t>completa</a:t>
-            </a:r>
-            <a:r>
-              <a:rPr lang="en-US" sz="1200" dirty="0"/>
-              <a:t> ); </a:t>
-            </a:r>
-          </a:p>
-          <a:p>
-            <a:pPr marL="342900" indent="-342900">
-              <a:buFont typeface="Wingdings" panose="05000000000000000000" pitchFamily="2" charset="2"/>
-              <a:buChar char="§"/>
-            </a:pPr>
-            <a:r>
-              <a:rPr lang="en-US" sz="1200" dirty="0"/>
-              <a:t>- </a:t>
+              <a:t> are loc la </a:t>
+            </a:r>
+            <a:r>
+              <a:rPr lang="en-US" sz="1200" dirty="0" err="1"/>
+              <a:t>sediul</a:t>
+            </a:r>
+            <a:r>
+              <a:rPr lang="en-US" sz="1200" dirty="0"/>
+              <a:t> </a:t>
+            </a:r>
+            <a:r>
+              <a:rPr lang="en-US" sz="1200" dirty="0" err="1"/>
+              <a:t>dezvoltatprului</a:t>
+            </a:r>
+            <a:r>
+              <a:rPr lang="en-US" sz="1200" dirty="0"/>
+              <a:t>); - </a:t>
             </a:r>
             <a:r>
               <a:rPr lang="en-US" sz="1200" u="sng" dirty="0"/>
@@ -15061,171 +15020,19 @@
             </a:r>
             <a:r>
               <a:rPr lang="en-US" sz="1200" dirty="0"/>
-              <a:t>( </a:t>
-            </a:r>
-            <a:r>
-              <a:rPr lang="en-US" sz="1200" dirty="0" err="1"/>
-              <a:t>Scopul</a:t>
-            </a:r>
-            <a:r>
-              <a:rPr lang="en-US" sz="1200" dirty="0"/>
-              <a:t> </a:t>
-            </a:r>
-            <a:r>
-              <a:rPr lang="en-US" sz="1200" dirty="0" err="1"/>
-              <a:t>testării</a:t>
-            </a:r>
-            <a:r>
-              <a:rPr lang="en-US" sz="1200" dirty="0"/>
-              <a:t> beta </a:t>
-            </a:r>
-            <a:r>
-              <a:rPr lang="en-US" sz="1200" dirty="0" err="1"/>
-              <a:t>este</a:t>
-            </a:r>
-            <a:r>
-              <a:rPr lang="en-US" sz="1200" dirty="0"/>
-              <a:t> </a:t>
-            </a:r>
-            <a:r>
-              <a:rPr lang="en-US" sz="1200" dirty="0" err="1"/>
-              <a:t>să</a:t>
-            </a:r>
-            <a:r>
-              <a:rPr lang="en-US" sz="1200" dirty="0"/>
-              <a:t> </a:t>
-            </a:r>
-            <a:r>
-              <a:rPr lang="en-US" sz="1200" dirty="0" err="1"/>
-              <a:t>pună</a:t>
-            </a:r>
-            <a:r>
-              <a:rPr lang="en-US" sz="1200" dirty="0"/>
-              <a:t> </a:t>
-            </a:r>
-            <a:r>
-              <a:rPr lang="en-US" sz="1200" dirty="0" err="1"/>
-              <a:t>aplicația</a:t>
-            </a:r>
-            <a:r>
-              <a:rPr lang="en-US" sz="1200" dirty="0"/>
-              <a:t> </a:t>
-            </a:r>
-            <a:r>
-              <a:rPr lang="en-US" sz="1200" dirty="0" err="1"/>
-              <a:t>în</a:t>
-            </a:r>
-            <a:r>
-              <a:rPr lang="en-US" sz="1200" dirty="0"/>
-              <a:t> </a:t>
-            </a:r>
-            <a:r>
-              <a:rPr lang="en-US" sz="1200" dirty="0" err="1"/>
-              <a:t>mâinile</a:t>
-            </a:r>
-            <a:r>
-              <a:rPr lang="en-US" sz="1200" dirty="0"/>
-              <a:t> </a:t>
-            </a:r>
-            <a:r>
-              <a:rPr lang="en-US" sz="1200" dirty="0" err="1"/>
-              <a:t>unor</a:t>
-            </a:r>
-            <a:r>
-              <a:rPr lang="en-US" sz="1200" dirty="0"/>
-              <a:t> </a:t>
-            </a:r>
-            <a:r>
-              <a:rPr lang="en-US" sz="1200" dirty="0" err="1"/>
-              <a:t>utilizatori</a:t>
-            </a:r>
-            <a:r>
-              <a:rPr lang="en-US" sz="1200" dirty="0"/>
-              <a:t> </a:t>
-            </a:r>
-            <a:r>
-              <a:rPr lang="en-US" sz="1200" dirty="0" err="1"/>
-              <a:t>reali</a:t>
-            </a:r>
-            <a:r>
-              <a:rPr lang="en-US" sz="1200" dirty="0"/>
-              <a:t>, </a:t>
-            </a:r>
-            <a:r>
-              <a:rPr lang="en-US" sz="1200" dirty="0" err="1"/>
-              <a:t>oameni</a:t>
-            </a:r>
-            <a:r>
-              <a:rPr lang="en-US" sz="1200" dirty="0"/>
-              <a:t> </a:t>
-            </a:r>
-            <a:r>
-              <a:rPr lang="en-US" sz="1200" dirty="0" err="1"/>
-              <a:t>ce</a:t>
-            </a:r>
-            <a:r>
-              <a:rPr lang="en-US" sz="1200" dirty="0"/>
-              <a:t> nu fac </a:t>
-            </a:r>
-            <a:r>
-              <a:rPr lang="en-US" sz="1200" dirty="0" err="1"/>
-              <a:t>parte</a:t>
-            </a:r>
-            <a:r>
-              <a:rPr lang="en-US" sz="1200" dirty="0"/>
-              <a:t> din </a:t>
-            </a:r>
-            <a:r>
-              <a:rPr lang="en-US" sz="1200" dirty="0" err="1"/>
-              <a:t>echipa</a:t>
-            </a:r>
-            <a:r>
-              <a:rPr lang="en-US" sz="1200" dirty="0"/>
-              <a:t> de </a:t>
-            </a:r>
-            <a:r>
-              <a:rPr lang="en-US" sz="1200" dirty="0" err="1"/>
-              <a:t>dezvoltatori</a:t>
-            </a:r>
-            <a:r>
-              <a:rPr lang="en-US" sz="1200" dirty="0"/>
-              <a:t>, </a:t>
-            </a:r>
-            <a:r>
-              <a:rPr lang="en-US" sz="1200" dirty="0" err="1"/>
-              <a:t>pentru</a:t>
-            </a:r>
-            <a:r>
-              <a:rPr lang="en-US" sz="1200" dirty="0"/>
-              <a:t> a </a:t>
-            </a:r>
-            <a:r>
-              <a:rPr lang="en-US" sz="1200" dirty="0" err="1"/>
-              <a:t>descoperi</a:t>
-            </a:r>
-            <a:r>
-              <a:rPr lang="en-US" sz="1200" dirty="0"/>
-              <a:t> </a:t>
-            </a:r>
-            <a:r>
-              <a:rPr lang="en-US" sz="1200" dirty="0" err="1"/>
-              <a:t>defecte</a:t>
-            </a:r>
-            <a:r>
-              <a:rPr lang="en-US" sz="1200" dirty="0"/>
-              <a:t> din </a:t>
-            </a:r>
-            <a:r>
-              <a:rPr lang="en-US" sz="1200" dirty="0" err="1"/>
-              <a:t>perspectiva</a:t>
-            </a:r>
-            <a:r>
-              <a:rPr lang="en-US" sz="1200" dirty="0"/>
-              <a:t> </a:t>
-            </a:r>
-            <a:r>
-              <a:rPr lang="en-US" sz="1200" dirty="0" err="1"/>
-              <a:t>utilizatorului</a:t>
+              <a:t>( are loc la </a:t>
+            </a:r>
+            <a:r>
+              <a:rPr lang="en-US" sz="1200" dirty="0" err="1"/>
+              <a:t>sediu</a:t>
+            </a:r>
+            <a:r>
+              <a:rPr lang="en-US" sz="1200" dirty="0"/>
+              <a:t> </a:t>
+            </a:r>
+            <a:r>
+              <a:rPr lang="en-US" sz="1200" dirty="0" err="1"/>
+              <a:t>clientului</a:t>
             </a:r>
             <a:r>
               <a:rPr lang="en-US" sz="1200" dirty="0"/>
@@ -15349,7 +15156,7 @@
         <p:spPr>
           <a:xfrm>
             <a:off x="4339396" y="2083399"/>
-            <a:ext cx="6035876" cy="4471310"/>
+            <a:ext cx="6035876" cy="3900942"/>
           </a:xfrm>
           <a:prstGeom prst="rect">
             <a:avLst/>
@@ -15370,8 +15177,8 @@
         </p:nvSpPr>
         <p:spPr>
           <a:xfrm>
-            <a:off x="362139" y="3259248"/>
-            <a:ext cx="3766241" cy="646331"/>
+            <a:off x="334978" y="2190939"/>
+            <a:ext cx="3793403" cy="3970318"/>
           </a:xfrm>
           <a:prstGeom prst="rect">
             <a:avLst/>
@@ -15384,17 +15191,13 @@
           </a:bodyPr>
           <a:lstStyle/>
           <a:p>
-            <a:r>
-              <a:rPr lang="en-US" sz="1200" dirty="0" err="1"/>
-              <a:t>Creare</a:t>
-            </a:r>
-            <a:r>
-              <a:rPr lang="en-US" sz="1200" dirty="0"/>
-              <a:t> </a:t>
-            </a:r>
-            <a:r>
-              <a:rPr lang="en-US" sz="1200" dirty="0" err="1"/>
-              <a:t>baze</a:t>
+            <a:pPr marL="171450" indent="-171450">
+              <a:buFont typeface="Wingdings" panose="05000000000000000000" pitchFamily="2" charset="2"/>
+              <a:buChar char="q"/>
+            </a:pPr>
+            <a:r>
+              <a:rPr lang="en-US" sz="1200" dirty="0" err="1"/>
+              <a:t>Baza</a:t>
             </a:r>
             <a:r>
               <a:rPr lang="en-US" sz="1200" dirty="0"/>
@@ -15418,11 +15221,11 @@
             </a:r>
             <a:r>
               <a:rPr lang="en-US" sz="1200" dirty="0" err="1"/>
-              <a:t>intr</a:t>
-            </a:r>
-            <a:r>
-              <a:rPr lang="en-US" sz="1200" dirty="0"/>
-              <a:t>-e </a:t>
+              <a:t>intre</a:t>
+            </a:r>
+            <a:r>
+              <a:rPr lang="en-US" sz="1200" dirty="0"/>
+              <a:t> </a:t>
             </a:r>
             <a:r>
               <a:rPr lang="en-US" sz="1200" dirty="0" err="1"/>
@@ -15430,13 +15233,73 @@
             </a:r>
             <a:r>
               <a:rPr lang="en-US" sz="1200" dirty="0"/>
-              <a:t> .</a:t>
-            </a:r>
-          </a:p>
-          <a:p>
-            <a:r>
-              <a:rPr lang="en-US" sz="1200" dirty="0" err="1"/>
-              <a:t>Tabele</a:t>
+              <a:t> </a:t>
+            </a:r>
+            <a:r>
+              <a:rPr lang="en-US" sz="1200" dirty="0" err="1"/>
+              <a:t>pentru</a:t>
+            </a:r>
+            <a:r>
+              <a:rPr lang="en-US" sz="1200" dirty="0"/>
+              <a:t> o </a:t>
+            </a:r>
+            <a:r>
+              <a:rPr lang="en-US" sz="1200" dirty="0" err="1"/>
+              <a:t>biblioteca</a:t>
+            </a:r>
+            <a:r>
+              <a:rPr lang="en-US" sz="1200" dirty="0"/>
+              <a:t>, </a:t>
+            </a:r>
+            <a:r>
+              <a:rPr lang="en-US" sz="1200" dirty="0" err="1"/>
+              <a:t>avem</a:t>
+            </a:r>
+            <a:r>
+              <a:rPr lang="en-US" sz="1200" dirty="0"/>
+              <a:t> </a:t>
+            </a:r>
+            <a:r>
+              <a:rPr lang="en-US" sz="1200" dirty="0" err="1"/>
+              <a:t>tabelele</a:t>
+            </a:r>
+            <a:r>
+              <a:rPr lang="en-US" sz="1200" dirty="0"/>
+              <a:t>:</a:t>
+            </a:r>
+          </a:p>
+          <a:p>
+            <a:pPr marL="171450" indent="-171450">
+              <a:buFont typeface="Wingdings" panose="05000000000000000000" pitchFamily="2" charset="2"/>
+              <a:buChar char="ü"/>
+            </a:pPr>
+            <a:r>
+              <a:rPr lang="en-US" sz="1200" dirty="0" err="1"/>
+              <a:t>Tabela</a:t>
+            </a:r>
+            <a:r>
+              <a:rPr lang="en-US" sz="1200" dirty="0"/>
+              <a:t> de “</a:t>
+            </a:r>
+            <a:r>
+              <a:rPr lang="en-US" sz="1200" b="1" dirty="0" err="1"/>
+              <a:t>autor</a:t>
+            </a:r>
+            <a:r>
+              <a:rPr lang="en-US" sz="1200" dirty="0"/>
+              <a:t>” </a:t>
+            </a:r>
+            <a:r>
+              <a:rPr lang="en-US" sz="1200" dirty="0" err="1"/>
+              <a:t>contine</a:t>
+            </a:r>
+            <a:r>
+              <a:rPr lang="en-US" sz="1200" dirty="0"/>
+              <a:t> </a:t>
+            </a:r>
+            <a:r>
+              <a:rPr lang="en-US" sz="1200" dirty="0" err="1"/>
+              <a:t>lista</a:t>
             </a:r>
             <a:r>
               <a:rPr lang="en-US" sz="1200" dirty="0"/>
@@ -15444,11 +15307,185 @@
             </a:r>
             <a:r>
               <a:rPr lang="en-US" sz="1200" dirty="0" err="1"/>
-              <a:t>autori,carte</a:t>
-            </a:r>
-            <a:r>
-              <a:rPr lang="en-US" sz="1200" dirty="0"/>
-              <a:t>, </a:t>
+              <a:t>autori</a:t>
+            </a:r>
+            <a:r>
+              <a:rPr lang="en-US" sz="1200" dirty="0"/>
+              <a:t>, cu </a:t>
+            </a:r>
+            <a:r>
+              <a:rPr lang="en-US" sz="1200" dirty="0" err="1"/>
+              <a:t>cheie</a:t>
+            </a:r>
+            <a:r>
+              <a:rPr lang="en-US" sz="1200" dirty="0"/>
+              <a:t> </a:t>
+            </a:r>
+            <a:r>
+              <a:rPr lang="en-US" sz="1200" dirty="0" err="1"/>
+              <a:t>primara</a:t>
+            </a:r>
+            <a:r>
+              <a:rPr lang="en-US" sz="1200" dirty="0"/>
+              <a:t> “id”, </a:t>
+            </a:r>
+            <a:r>
+              <a:rPr lang="en-US" sz="1200" dirty="0" err="1"/>
+              <a:t>este</a:t>
+            </a:r>
+            <a:r>
+              <a:rPr lang="en-US" sz="1200" dirty="0"/>
+              <a:t> </a:t>
+            </a:r>
+            <a:r>
+              <a:rPr lang="en-US" sz="1200" dirty="0" err="1"/>
+              <a:t>legata</a:t>
+            </a:r>
+            <a:r>
+              <a:rPr lang="en-US" sz="1200" dirty="0"/>
+              <a:t> de </a:t>
+            </a:r>
+            <a:r>
+              <a:rPr lang="en-US" sz="1200" dirty="0" err="1"/>
+              <a:t>tabela</a:t>
+            </a:r>
+            <a:r>
+              <a:rPr lang="en-US" sz="1200" dirty="0"/>
+              <a:t> “</a:t>
+            </a:r>
+            <a:r>
+              <a:rPr lang="en-US" sz="1200" dirty="0" err="1"/>
+              <a:t>carte”prin</a:t>
+            </a:r>
+            <a:r>
+              <a:rPr lang="en-US" sz="1200" dirty="0"/>
+              <a:t> </a:t>
+            </a:r>
+            <a:r>
+              <a:rPr lang="en-US" sz="1200" dirty="0" err="1"/>
+              <a:t>cheie</a:t>
+            </a:r>
+            <a:r>
+              <a:rPr lang="en-US" sz="1200" dirty="0"/>
+              <a:t> </a:t>
+            </a:r>
+            <a:r>
+              <a:rPr lang="en-US" sz="1200" dirty="0" err="1"/>
+              <a:t>secundara</a:t>
+            </a:r>
+            <a:r>
+              <a:rPr lang="en-US" sz="1200" dirty="0"/>
+              <a:t> “</a:t>
+            </a:r>
+            <a:r>
+              <a:rPr lang="en-US" sz="1200" dirty="0" err="1"/>
+              <a:t>id_carte</a:t>
+            </a:r>
+            <a:r>
+              <a:rPr lang="en-US" sz="1200" dirty="0"/>
+              <a:t>”(1 to N) ;</a:t>
+            </a:r>
+          </a:p>
+          <a:p>
+            <a:pPr marL="171450" indent="-171450">
+              <a:buFont typeface="Wingdings" panose="05000000000000000000" pitchFamily="2" charset="2"/>
+              <a:buChar char="ü"/>
+            </a:pPr>
+            <a:r>
+              <a:rPr lang="en-US" sz="1200" dirty="0" err="1"/>
+              <a:t>Tabela</a:t>
+            </a:r>
+            <a:r>
+              <a:rPr lang="en-US" sz="1200" dirty="0"/>
+              <a:t> “</a:t>
+            </a:r>
+            <a:r>
+              <a:rPr lang="en-US" sz="1200" b="1" dirty="0"/>
+              <a:t>carte</a:t>
+            </a:r>
+            <a:r>
+              <a:rPr lang="en-US" sz="1200" dirty="0"/>
+              <a:t>” (</a:t>
+            </a:r>
+            <a:r>
+              <a:rPr lang="en-US" sz="1200" dirty="0" err="1"/>
+              <a:t>contine</a:t>
+            </a:r>
+            <a:r>
+              <a:rPr lang="en-US" sz="1200" dirty="0"/>
+              <a:t> </a:t>
+            </a:r>
+            <a:r>
+              <a:rPr lang="en-US" sz="1200" dirty="0" err="1"/>
+              <a:t>lista</a:t>
+            </a:r>
+            <a:r>
+              <a:rPr lang="en-US" sz="1200" dirty="0"/>
+              <a:t> de </a:t>
+            </a:r>
+            <a:r>
+              <a:rPr lang="en-US" sz="1200" dirty="0" err="1"/>
+              <a:t>carti</a:t>
+            </a:r>
+            <a:r>
+              <a:rPr lang="en-US" sz="1200" dirty="0"/>
+              <a:t> </a:t>
+            </a:r>
+            <a:r>
+              <a:rPr lang="en-US" sz="1200" dirty="0" err="1"/>
+              <a:t>prezente</a:t>
+            </a:r>
+            <a:r>
+              <a:rPr lang="en-US" sz="1200" dirty="0"/>
+              <a:t> in </a:t>
+            </a:r>
+            <a:r>
+              <a:rPr lang="en-US" sz="1200" dirty="0" err="1"/>
+              <a:t>biblioteca</a:t>
+            </a:r>
+            <a:r>
+              <a:rPr lang="en-US" sz="1200" dirty="0"/>
+              <a:t>), cu </a:t>
+            </a:r>
+            <a:r>
+              <a:rPr lang="en-US" sz="1200" dirty="0" err="1"/>
+              <a:t>cheie</a:t>
+            </a:r>
+            <a:r>
+              <a:rPr lang="en-US" sz="1200" dirty="0"/>
+              <a:t> </a:t>
+            </a:r>
+            <a:r>
+              <a:rPr lang="en-US" sz="1200" dirty="0" err="1"/>
+              <a:t>primara</a:t>
+            </a:r>
+            <a:r>
+              <a:rPr lang="en-US" sz="1200" dirty="0"/>
+              <a:t> “id”, </a:t>
+            </a:r>
+            <a:r>
+              <a:rPr lang="en-US" sz="1200" dirty="0" err="1"/>
+              <a:t>este</a:t>
+            </a:r>
+            <a:r>
+              <a:rPr lang="en-US" sz="1200" dirty="0"/>
+              <a:t> </a:t>
+            </a:r>
+            <a:r>
+              <a:rPr lang="en-US" sz="1200" dirty="0" err="1"/>
+              <a:t>legata</a:t>
+            </a:r>
+            <a:r>
+              <a:rPr lang="en-US" sz="1200" dirty="0"/>
+              <a:t> de </a:t>
+            </a:r>
+            <a:r>
+              <a:rPr lang="en-US" sz="1200" dirty="0" err="1"/>
+              <a:t>tabela</a:t>
+            </a:r>
+            <a:r>
+              <a:rPr lang="en-US" sz="1200" dirty="0"/>
+              <a:t> “</a:t>
             </a:r>
             <a:r>
               <a:rPr lang="en-US" sz="1200" dirty="0" err="1"/>
@@ -15456,7 +15493,303 @@
             </a:r>
             <a:r>
               <a:rPr lang="en-US" sz="1200" dirty="0"/>
-              <a:t>, </a:t>
+              <a:t>” </a:t>
+            </a:r>
+            <a:r>
+              <a:rPr lang="en-US" sz="1200" dirty="0" err="1"/>
+              <a:t>prin</a:t>
+            </a:r>
+            <a:r>
+              <a:rPr lang="en-US" sz="1200" dirty="0"/>
+              <a:t> </a:t>
+            </a:r>
+            <a:r>
+              <a:rPr lang="en-US" sz="1200" dirty="0" err="1"/>
+              <a:t>cheie</a:t>
+            </a:r>
+            <a:r>
+              <a:rPr lang="en-US" sz="1200" dirty="0"/>
+              <a:t> </a:t>
+            </a:r>
+            <a:r>
+              <a:rPr lang="en-US" sz="1200" dirty="0" err="1"/>
+              <a:t>secundara</a:t>
+            </a:r>
+            <a:r>
+              <a:rPr lang="en-US" sz="1200" dirty="0"/>
+              <a:t> “</a:t>
+            </a:r>
+            <a:r>
+              <a:rPr lang="en-US" sz="1200" dirty="0" err="1"/>
+              <a:t>id_editura</a:t>
+            </a:r>
+            <a:r>
+              <a:rPr lang="en-US" sz="1200" dirty="0"/>
+              <a:t>”(1 to N) </a:t>
+            </a:r>
+            <a:r>
+              <a:rPr lang="en-US" sz="1200" dirty="0" err="1"/>
+              <a:t>si</a:t>
+            </a:r>
+            <a:r>
+              <a:rPr lang="en-US" sz="1200" dirty="0"/>
+              <a:t> la </a:t>
+            </a:r>
+            <a:r>
+              <a:rPr lang="en-US" sz="1200" dirty="0" err="1"/>
+              <a:t>tabela</a:t>
+            </a:r>
+            <a:r>
+              <a:rPr lang="en-US" sz="1200" dirty="0"/>
+              <a:t> “</a:t>
+            </a:r>
+            <a:r>
+              <a:rPr lang="en-US" sz="1200" dirty="0" err="1"/>
+              <a:t>autor</a:t>
+            </a:r>
+            <a:r>
+              <a:rPr lang="en-US" sz="1200" dirty="0"/>
+              <a:t>” (N to 1);</a:t>
+            </a:r>
+          </a:p>
+          <a:p>
+            <a:pPr marL="171450" indent="-171450">
+              <a:buFont typeface="Wingdings" panose="05000000000000000000" pitchFamily="2" charset="2"/>
+              <a:buChar char="ü"/>
+            </a:pPr>
+            <a:r>
+              <a:rPr lang="en-US" sz="1200" dirty="0" err="1"/>
+              <a:t>Tabela</a:t>
+            </a:r>
+            <a:r>
+              <a:rPr lang="en-US" sz="1200" dirty="0"/>
+              <a:t> “</a:t>
+            </a:r>
+            <a:r>
+              <a:rPr lang="en-US" sz="1200" b="1" dirty="0" err="1"/>
+              <a:t>citito</a:t>
+            </a:r>
+            <a:r>
+              <a:rPr lang="en-US" sz="1200" dirty="0" err="1"/>
+              <a:t>r</a:t>
+            </a:r>
+            <a:r>
+              <a:rPr lang="en-US" sz="1200" dirty="0"/>
+              <a:t>”(</a:t>
+            </a:r>
+            <a:r>
+              <a:rPr lang="en-US" sz="1200" dirty="0" err="1"/>
+              <a:t>contine</a:t>
+            </a:r>
+            <a:r>
+              <a:rPr lang="en-US" sz="1200" dirty="0"/>
+              <a:t> </a:t>
+            </a:r>
+            <a:r>
+              <a:rPr lang="en-US" sz="1200" dirty="0" err="1"/>
+              <a:t>lista</a:t>
+            </a:r>
+            <a:r>
+              <a:rPr lang="en-US" sz="1200" dirty="0"/>
+              <a:t> </a:t>
+            </a:r>
+            <a:r>
+              <a:rPr lang="en-US" sz="1200" dirty="0" err="1"/>
+              <a:t>persoanelor</a:t>
+            </a:r>
+            <a:r>
+              <a:rPr lang="en-US" sz="1200" dirty="0"/>
+              <a:t> care au </a:t>
+            </a:r>
+            <a:r>
+              <a:rPr lang="en-US" sz="1200" dirty="0" err="1"/>
+              <a:t>imprumutat</a:t>
+            </a:r>
+            <a:r>
+              <a:rPr lang="en-US" sz="1200" dirty="0"/>
+              <a:t> </a:t>
+            </a:r>
+            <a:r>
+              <a:rPr lang="en-US" sz="1200" dirty="0" err="1"/>
+              <a:t>carti</a:t>
+            </a:r>
+            <a:r>
+              <a:rPr lang="en-US" sz="1200" dirty="0"/>
+              <a:t> de la </a:t>
+            </a:r>
+            <a:r>
+              <a:rPr lang="en-US" sz="1200" dirty="0" err="1"/>
+              <a:t>biblioteca</a:t>
+            </a:r>
+            <a:r>
+              <a:rPr lang="en-US" sz="1200" dirty="0"/>
+              <a:t>) cu </a:t>
+            </a:r>
+            <a:r>
+              <a:rPr lang="en-US" sz="1200" dirty="0" err="1"/>
+              <a:t>cheie</a:t>
+            </a:r>
+            <a:r>
+              <a:rPr lang="en-US" sz="1200" dirty="0"/>
+              <a:t> </a:t>
+            </a:r>
+            <a:r>
+              <a:rPr lang="en-US" sz="1200" dirty="0" err="1"/>
+              <a:t>primara</a:t>
+            </a:r>
+            <a:r>
+              <a:rPr lang="en-US" sz="1200" dirty="0"/>
+              <a:t> “id” </a:t>
+            </a:r>
+            <a:r>
+              <a:rPr lang="en-US" sz="1200" dirty="0" err="1"/>
+              <a:t>este</a:t>
+            </a:r>
+            <a:r>
+              <a:rPr lang="en-US" sz="1200" dirty="0"/>
+              <a:t> </a:t>
+            </a:r>
+            <a:r>
+              <a:rPr lang="en-US" sz="1200" dirty="0" err="1"/>
+              <a:t>legata</a:t>
+            </a:r>
+            <a:r>
+              <a:rPr lang="en-US" sz="1200" dirty="0"/>
+              <a:t> la </a:t>
+            </a:r>
+            <a:r>
+              <a:rPr lang="en-US" sz="1200" dirty="0" err="1"/>
+              <a:t>tabela</a:t>
+            </a:r>
+            <a:r>
+              <a:rPr lang="en-US" sz="1200" dirty="0"/>
+              <a:t> “</a:t>
+            </a:r>
+            <a:r>
+              <a:rPr lang="en-US" sz="1200" dirty="0" err="1"/>
+              <a:t>fisa</a:t>
+            </a:r>
+            <a:r>
+              <a:rPr lang="en-US" sz="1200" dirty="0"/>
+              <a:t> de </a:t>
+            </a:r>
+            <a:r>
+              <a:rPr lang="en-US" sz="1200" dirty="0" err="1"/>
+              <a:t>lectura</a:t>
+            </a:r>
+            <a:r>
+              <a:rPr lang="en-US" sz="1200" dirty="0"/>
+              <a:t>”( 1 to N);</a:t>
+            </a:r>
+          </a:p>
+          <a:p>
+            <a:pPr marL="171450" indent="-171450">
+              <a:buFont typeface="Wingdings" panose="05000000000000000000" pitchFamily="2" charset="2"/>
+              <a:buChar char="ü"/>
+            </a:pPr>
+            <a:r>
+              <a:rPr lang="en-US" sz="1200" dirty="0" err="1"/>
+              <a:t>Tabela</a:t>
+            </a:r>
+            <a:r>
+              <a:rPr lang="en-US" sz="1200" dirty="0"/>
+              <a:t> “</a:t>
+            </a:r>
+            <a:r>
+              <a:rPr lang="en-US" sz="1200" b="1" dirty="0" err="1"/>
+              <a:t>fisa_lectura</a:t>
+            </a:r>
+            <a:r>
+              <a:rPr lang="en-US" sz="1200" dirty="0"/>
+              <a:t>” cu </a:t>
+            </a:r>
+            <a:r>
+              <a:rPr lang="en-US" sz="1200" dirty="0" err="1"/>
+              <a:t>cheie</a:t>
+            </a:r>
+            <a:r>
+              <a:rPr lang="en-US" sz="1200" dirty="0"/>
+              <a:t> </a:t>
+            </a:r>
+            <a:r>
+              <a:rPr lang="en-US" sz="1200" dirty="0" err="1"/>
+              <a:t>primara</a:t>
+            </a:r>
+            <a:r>
+              <a:rPr lang="en-US" sz="1200" dirty="0"/>
+              <a:t> “id” </a:t>
+            </a:r>
+            <a:r>
+              <a:rPr lang="en-US" sz="1200" dirty="0" err="1"/>
+              <a:t>este</a:t>
+            </a:r>
+            <a:r>
+              <a:rPr lang="en-US" sz="1200" dirty="0"/>
+              <a:t> </a:t>
+            </a:r>
+            <a:r>
+              <a:rPr lang="en-US" sz="1200" dirty="0" err="1"/>
+              <a:t>legata</a:t>
+            </a:r>
+            <a:r>
+              <a:rPr lang="en-US" sz="1200" dirty="0"/>
+              <a:t> de </a:t>
+            </a:r>
+            <a:r>
+              <a:rPr lang="en-US" sz="1200" dirty="0" err="1"/>
+              <a:t>tabela</a:t>
+            </a:r>
+            <a:r>
+              <a:rPr lang="en-US" sz="1200" dirty="0"/>
+              <a:t> “carte” </a:t>
+            </a:r>
+            <a:r>
+              <a:rPr lang="en-US" sz="1200" dirty="0" err="1"/>
+              <a:t>prin</a:t>
+            </a:r>
+            <a:r>
+              <a:rPr lang="en-US" sz="1200" dirty="0"/>
+              <a:t> </a:t>
+            </a:r>
+            <a:r>
+              <a:rPr lang="en-US" sz="1200" dirty="0" err="1"/>
+              <a:t>cheie</a:t>
+            </a:r>
+            <a:r>
+              <a:rPr lang="en-US" sz="1200" dirty="0"/>
+              <a:t> </a:t>
+            </a:r>
+            <a:r>
+              <a:rPr lang="en-US" sz="1200" dirty="0" err="1"/>
+              <a:t>secundara</a:t>
+            </a:r>
+            <a:r>
+              <a:rPr lang="en-US" sz="1200" dirty="0"/>
+              <a:t> “</a:t>
+            </a:r>
+            <a:r>
+              <a:rPr lang="en-US" sz="1200" dirty="0" err="1"/>
+              <a:t>id_carte</a:t>
+            </a:r>
+            <a:r>
+              <a:rPr lang="en-US" sz="1200" dirty="0"/>
+              <a:t>”(N to 1) </a:t>
+            </a:r>
+            <a:r>
+              <a:rPr lang="en-US" sz="1200" dirty="0" err="1"/>
+              <a:t>si</a:t>
+            </a:r>
+            <a:r>
+              <a:rPr lang="en-US" sz="1200" dirty="0"/>
+              <a:t> cu </a:t>
+            </a:r>
+            <a:r>
+              <a:rPr lang="en-US" sz="1200" dirty="0" err="1"/>
+              <a:t>tabela</a:t>
+            </a:r>
+            <a:r>
+              <a:rPr lang="en-US" sz="1200" dirty="0"/>
+              <a:t> “</a:t>
             </a:r>
             <a:r>
               <a:rPr lang="en-US" sz="1200" dirty="0" err="1"/>
@@ -15464,19 +15797,89 @@
             </a:r>
             <a:r>
               <a:rPr lang="en-US" sz="1200" dirty="0"/>
-              <a:t> </a:t>
-            </a:r>
-            <a:r>
-              <a:rPr lang="en-US" sz="1200" dirty="0" err="1"/>
-              <a:t>si</a:t>
-            </a:r>
-            <a:r>
-              <a:rPr lang="en-US" sz="1200" dirty="0"/>
-              <a:t> </a:t>
-            </a:r>
-            <a:r>
-              <a:rPr lang="en-US" sz="1200" dirty="0" err="1"/>
-              <a:t>fisa</a:t>
+              <a:t>“ </a:t>
+            </a:r>
+            <a:r>
+              <a:rPr lang="en-US" sz="1200" dirty="0" err="1"/>
+              <a:t>prin</a:t>
+            </a:r>
+            <a:r>
+              <a:rPr lang="en-US" sz="1200" dirty="0"/>
+              <a:t> </a:t>
+            </a:r>
+            <a:r>
+              <a:rPr lang="en-US" sz="1200" dirty="0" err="1"/>
+              <a:t>cheie</a:t>
+            </a:r>
+            <a:r>
+              <a:rPr lang="en-US" sz="1200" dirty="0"/>
+              <a:t> </a:t>
+            </a:r>
+            <a:r>
+              <a:rPr lang="en-US" sz="1200" dirty="0" err="1"/>
+              <a:t>secundara</a:t>
+            </a:r>
+            <a:r>
+              <a:rPr lang="en-US" sz="1200" dirty="0"/>
+              <a:t> “</a:t>
+            </a:r>
+            <a:r>
+              <a:rPr lang="en-US" sz="1200" dirty="0" err="1"/>
+              <a:t>id_cititor</a:t>
+            </a:r>
+            <a:r>
+              <a:rPr lang="en-US" sz="1200" dirty="0"/>
+              <a:t>”( N to 1);</a:t>
+            </a:r>
+          </a:p>
+          <a:p>
+            <a:pPr marL="171450" indent="-171450">
+              <a:buFont typeface="Wingdings" panose="05000000000000000000" pitchFamily="2" charset="2"/>
+              <a:buChar char="ü"/>
+            </a:pPr>
+            <a:r>
+              <a:rPr lang="en-US" sz="1200" dirty="0" err="1"/>
+              <a:t>Tabela</a:t>
+            </a:r>
+            <a:r>
+              <a:rPr lang="en-US" sz="1200" dirty="0"/>
+              <a:t> “</a:t>
+            </a:r>
+            <a:r>
+              <a:rPr lang="en-US" sz="1200" b="1" dirty="0" err="1"/>
+              <a:t>editura</a:t>
+            </a:r>
+            <a:r>
+              <a:rPr lang="en-US" sz="1200" dirty="0"/>
+              <a:t>” cu </a:t>
+            </a:r>
+            <a:r>
+              <a:rPr lang="en-US" sz="1200" dirty="0" err="1"/>
+              <a:t>cheie</a:t>
+            </a:r>
+            <a:r>
+              <a:rPr lang="en-US" sz="1200" dirty="0"/>
+              <a:t> </a:t>
+            </a:r>
+            <a:r>
+              <a:rPr lang="en-US" sz="1200" dirty="0" err="1"/>
+              <a:t>primara</a:t>
+            </a:r>
+            <a:r>
+              <a:rPr lang="en-US" sz="1200" dirty="0"/>
+              <a:t> “id” </a:t>
+            </a:r>
+            <a:r>
+              <a:rPr lang="en-US" sz="1200" dirty="0" err="1"/>
+              <a:t>este</a:t>
+            </a:r>
+            <a:r>
+              <a:rPr lang="en-US" sz="1200" dirty="0"/>
+              <a:t> </a:t>
+            </a:r>
+            <a:r>
+              <a:rPr lang="en-US" sz="1200" dirty="0" err="1"/>
+              <a:t>legata</a:t>
             </a:r>
             <a:r>
               <a:rPr lang="en-US" sz="1200" dirty="0"/>
@@ -15484,12 +15887,51 @@
             </a:r>
             <a:r>
               <a:rPr lang="en-US" sz="1200" dirty="0" err="1"/>
-              <a:t>lectura</a:t>
-            </a:r>
-            <a:r>
-              <a:rPr lang="en-US" sz="1200" dirty="0"/>
-              <a:t> </a:t>
-            </a:r>
+              <a:t>tabela</a:t>
+            </a:r>
+            <a:r>
+              <a:rPr lang="en-US" sz="1200" dirty="0"/>
+              <a:t> “carte” </a:t>
+            </a:r>
+            <a:r>
+              <a:rPr lang="en-US" sz="1200" dirty="0" err="1"/>
+              <a:t>prin</a:t>
+            </a:r>
+            <a:r>
+              <a:rPr lang="en-US" sz="1200" dirty="0"/>
+              <a:t> </a:t>
+            </a:r>
+            <a:r>
+              <a:rPr lang="en-US" sz="1200" dirty="0" err="1"/>
+              <a:t>cheie</a:t>
+            </a:r>
+            <a:r>
+              <a:rPr lang="en-US" sz="1200" dirty="0"/>
+              <a:t> </a:t>
+            </a:r>
+            <a:r>
+              <a:rPr lang="en-US" sz="1200" dirty="0" err="1"/>
+              <a:t>secundara</a:t>
+            </a:r>
+            <a:r>
+              <a:rPr lang="en-US" sz="1200" dirty="0"/>
+              <a:t> “</a:t>
+            </a:r>
+            <a:r>
+              <a:rPr lang="en-US" sz="1200" dirty="0" err="1"/>
+              <a:t>id_carte</a:t>
+            </a:r>
+            <a:r>
+              <a:rPr lang="en-US" sz="1200" dirty="0"/>
+              <a:t>”(1 to N)</a:t>
+            </a:r>
+          </a:p>
+          <a:p>
+            <a:pPr marL="171450" indent="-171450">
+              <a:buFont typeface="Arial" panose="020B0604020202020204" pitchFamily="34" charset="0"/>
+              <a:buChar char="•"/>
+            </a:pPr>
+            <a:endParaRPr lang="en-US" sz="1200" dirty="0"/>
           </a:p>
         </p:txBody>
       </p:sp>
@@ -15568,7 +16010,7 @@
         <p:spPr>
           <a:xfrm>
             <a:off x="751438" y="921431"/>
-            <a:ext cx="4617267" cy="646331"/>
+            <a:ext cx="4617267" cy="830997"/>
           </a:xfrm>
           <a:prstGeom prst="rect">
             <a:avLst/>
@@ -15576,7 +16018,7 @@
           <a:noFill/>
         </p:spPr>
         <p:txBody>
-          <a:bodyPr wrap="square" rtlCol="0">
+          <a:bodyPr wrap="square" rtlCol="0" anchor="ctr">
             <a:spAutoFit/>
           </a:bodyPr>
           <a:lstStyle/>
@@ -15640,6 +16082,40 @@
             <a:r>
               <a:rPr lang="en-US" sz="1200" dirty="0"/>
               <a:t>Use;</a:t>
+            </a:r>
+          </a:p>
+          <a:p>
+            <a:pPr marL="285750" indent="-285750">
+              <a:buFont typeface="Arial" panose="020B0604020202020204" pitchFamily="34" charset="0"/>
+              <a:buChar char="•"/>
+            </a:pPr>
+            <a:r>
+              <a:rPr lang="en-US" sz="1200" dirty="0"/>
+              <a:t>Am </a:t>
+            </a:r>
+            <a:r>
+              <a:rPr lang="en-US" sz="1200" dirty="0" err="1"/>
+              <a:t>sters</a:t>
+            </a:r>
+            <a:r>
+              <a:rPr lang="en-US" sz="1200" dirty="0"/>
+              <a:t> </a:t>
+            </a:r>
+            <a:r>
+              <a:rPr lang="en-US" sz="1200" dirty="0" err="1"/>
+              <a:t>baza</a:t>
+            </a:r>
+            <a:r>
+              <a:rPr lang="en-US" sz="1200" dirty="0"/>
+              <a:t> de date cu </a:t>
+            </a:r>
+            <a:r>
+              <a:rPr lang="en-US" sz="1200" dirty="0" err="1"/>
+              <a:t>instructiunea</a:t>
+            </a:r>
+            <a:r>
+              <a:rPr lang="en-US" sz="1200" dirty="0"/>
+              <a:t> “drop”</a:t>
             </a:r>
           </a:p>
         </p:txBody>
@@ -15748,8 +16224,8 @@
         </p:nvSpPr>
         <p:spPr>
           <a:xfrm>
-            <a:off x="853014" y="2091350"/>
-            <a:ext cx="4334622" cy="461665"/>
+            <a:off x="751438" y="2091350"/>
+            <a:ext cx="4436198" cy="461665"/>
           </a:xfrm>
           <a:prstGeom prst="rect">
             <a:avLst/>
@@ -15873,8 +16349,8 @@
         </p:blipFill>
         <p:spPr>
           <a:xfrm>
-            <a:off x="1141996" y="1669183"/>
-            <a:ext cx="8278380" cy="1095528"/>
+            <a:off x="4644429" y="1252722"/>
+            <a:ext cx="4780228" cy="1318461"/>
           </a:xfrm>
           <a:prstGeom prst="rect">
             <a:avLst/>
@@ -15895,8 +16371,8 @@
         </p:nvSpPr>
         <p:spPr>
           <a:xfrm>
-            <a:off x="915661" y="697118"/>
-            <a:ext cx="6263737" cy="307777"/>
+            <a:off x="1140737" y="1642208"/>
+            <a:ext cx="2860895" cy="738664"/>
           </a:xfrm>
           <a:prstGeom prst="rect">
             <a:avLst/>
@@ -15910,12 +16386,32 @@
           <a:lstStyle/>
           <a:p>
             <a:r>
+              <a:rPr lang="en-US" sz="1400" dirty="0"/>
+              <a:t> Am </a:t>
+            </a:r>
+            <a:r>
               <a:rPr lang="en-US" sz="1400" dirty="0" err="1"/>
-              <a:t>Pentru</a:t>
+              <a:t>folosit</a:t>
             </a:r>
             <a:r>
               <a:rPr lang="en-US" sz="1400" dirty="0"/>
               <a:t> </a:t>
+            </a:r>
+            <a:r>
+              <a:rPr lang="en-US" sz="1400" dirty="0" err="1"/>
+              <a:t>instructiunea</a:t>
+            </a:r>
+            <a:r>
+              <a:rPr lang="en-US" sz="1400" dirty="0"/>
+              <a:t> “insert” </a:t>
+            </a:r>
+            <a:r>
+              <a:rPr lang="en-US" sz="1400" dirty="0" err="1"/>
+              <a:t>pentru</a:t>
+            </a:r>
+            <a:r>
+              <a:rPr lang="en-US" sz="1400" dirty="0"/>
+              <a:t> a introduce date in </a:t>
             </a:r>
             <a:r>
               <a:rPr lang="en-US" sz="1400" dirty="0" err="1"/>
@@ -15923,11 +16419,42 @@
             </a:r>
             <a:r>
               <a:rPr lang="en-US" sz="1400" dirty="0"/>
-              <a:t>,  am </a:t>
-            </a:r>
+              <a:t>.</a:t>
+            </a:r>
+          </a:p>
+        </p:txBody>
+      </p:sp>
+      <p:sp>
+        <p:nvSpPr>
+          <p:cNvPr id="6" name="CasetăText 5">
+            <a:extLst>
+              <a:ext uri="{FF2B5EF4-FFF2-40B4-BE49-F238E27FC236}">
+                <a16:creationId xmlns:a16="http://schemas.microsoft.com/office/drawing/2014/main" id="{14471D66-A4AF-97B6-2DDD-5849F2461E2E}"/>
+              </a:ext>
+            </a:extLst>
+          </p:cNvPr>
+          <p:cNvSpPr txBox="1"/>
+          <p:nvPr/>
+        </p:nvSpPr>
+        <p:spPr>
+          <a:xfrm>
+            <a:off x="1140737" y="3657600"/>
+            <a:ext cx="3277354" cy="738664"/>
+          </a:xfrm>
+          <a:prstGeom prst="rect">
+            <a:avLst/>
+          </a:prstGeom>
+          <a:noFill/>
+        </p:spPr>
+        <p:txBody>
+          <a:bodyPr wrap="square" rtlCol="0">
+            <a:spAutoFit/>
+          </a:bodyPr>
+          <a:lstStyle/>
+          <a:p>
             <a:r>
               <a:rPr lang="en-US" sz="1400" dirty="0" err="1"/>
-              <a:t>folosit</a:t>
+              <a:t>Listarea</a:t>
             </a:r>
             <a:r>
               <a:rPr lang="en-US" sz="1400" dirty="0"/>
@@ -15935,29 +16462,45 @@
             </a:r>
             <a:r>
               <a:rPr lang="en-US" sz="1400" dirty="0" err="1"/>
-              <a:t>instructiunea</a:t>
+              <a:t>tuturor</a:t>
             </a:r>
             <a:r>
               <a:rPr lang="en-US" sz="1400" dirty="0"/>
-              <a:t> “insert” </a:t>
+              <a:t> </a:t>
             </a:r>
             <a:r>
               <a:rPr lang="en-US" sz="1400" dirty="0" err="1"/>
-              <a:t>pentru</a:t>
+              <a:t>cartilor</a:t>
             </a:r>
             <a:r>
               <a:rPr lang="en-US" sz="1400" dirty="0"/>
-              <a:t> a introduce date. </a:t>
+              <a:t> din </a:t>
+            </a:r>
+            <a:r>
+              <a:rPr lang="en-US" sz="1400" dirty="0" err="1"/>
+              <a:t>biblioteca</a:t>
+            </a:r>
+            <a:r>
+              <a:rPr lang="en-US" sz="1400" dirty="0"/>
+              <a:t>, ale </a:t>
+            </a:r>
+            <a:r>
+              <a:rPr lang="en-US" sz="1400" dirty="0" err="1"/>
+              <a:t>autorului</a:t>
+            </a:r>
+            <a:r>
+              <a:rPr lang="en-US" sz="1400" dirty="0"/>
+              <a:t> Mihai Eminescu.</a:t>
             </a:r>
           </a:p>
         </p:txBody>
       </p:sp>
       <p:pic>
         <p:nvPicPr>
-          <p:cNvPr id="9" name="Imagine 8">
+          <p:cNvPr id="8" name="Imagine 7">
             <a:extLst>
               <a:ext uri="{FF2B5EF4-FFF2-40B4-BE49-F238E27FC236}">
-                <a16:creationId xmlns:a16="http://schemas.microsoft.com/office/drawing/2014/main" id="{AAE2FAFB-EF52-EB71-E75A-7BA0DBA37FF7}"/>
+                <a16:creationId xmlns:a16="http://schemas.microsoft.com/office/drawing/2014/main" id="{A1B12527-A71A-49EB-6481-AB465459E1E8}"/>
               </a:ext>
             </a:extLst>
           </p:cNvPr>
@@ -15974,8 +16517,8 @@
         </p:blipFill>
         <p:spPr>
           <a:xfrm>
-            <a:off x="1828204" y="3429000"/>
-            <a:ext cx="8535591" cy="1629002"/>
+            <a:off x="4687890" y="3294837"/>
+            <a:ext cx="4736768" cy="1983962"/>
           </a:xfrm>
           <a:prstGeom prst="rect">
             <a:avLst/>

--- a/Proiect final.pptx
+++ b/Proiect final.pptx
@@ -8988,7 +8988,7 @@
         <p:spPr>
           <a:xfrm>
             <a:off x="1053875" y="2489704"/>
-            <a:ext cx="9776431" cy="3416320"/>
+            <a:ext cx="9776431" cy="3139321"/>
           </a:xfrm>
           <a:prstGeom prst="rect">
             <a:avLst/>
@@ -9149,10 +9149,9 @@
               <a:t>Github</a:t>
             </a:r>
             <a:r>
-              <a:rPr lang="en-US"/>
-              <a:t> </a:t>
-            </a:r>
-            <a:endParaRPr lang="en-US" dirty="0"/>
+              <a:rPr lang="en-US" dirty="0"/>
+              <a:t> </a:t>
+            </a:r>
           </a:p>
           <a:p>
             <a:pPr marL="285750" indent="-285750">
@@ -9160,18 +9159,11 @@
               <a:buChar char="§"/>
             </a:pPr>
             <a:r>
-              <a:rPr lang="it-IT" dirty="0">
+              <a:rPr lang="it-IT">
                 <a:hlinkClick r:id="rId2"/>
               </a:rPr>
               <a:t>Nicoleta-24/proiect_testare (github.com)</a:t>
             </a:r>
-            <a:endParaRPr lang="en-US" dirty="0"/>
-          </a:p>
-          <a:p>
-            <a:pPr marL="285750" indent="-285750">
-              <a:buFont typeface="Wingdings" panose="05000000000000000000" pitchFamily="2" charset="2"/>
-              <a:buChar char="§"/>
-            </a:pPr>
             <a:endParaRPr lang="en-US" dirty="0"/>
           </a:p>
         </p:txBody>
